--- a/blog-source-code/doc/ppt/micro-frontend.pptx
+++ b/blog-source-code/doc/ppt/micro-frontend.pptx
@@ -5,7 +5,7 @@
     <p:sldMasterId id="2147483648" r:id="rId1"/>
   </p:sldMasterIdLst>
   <p:notesMasterIdLst>
-    <p:notesMasterId r:id="rId26"/>
+    <p:notesMasterId r:id="rId27"/>
   </p:notesMasterIdLst>
   <p:sldIdLst>
     <p:sldId id="345" r:id="rId2"/>
@@ -19,24 +19,55 @@
     <p:sldId id="462" r:id="rId10"/>
     <p:sldId id="472" r:id="rId11"/>
     <p:sldId id="471" r:id="rId12"/>
-    <p:sldId id="464" r:id="rId13"/>
-    <p:sldId id="473" r:id="rId14"/>
-    <p:sldId id="474" r:id="rId15"/>
-    <p:sldId id="475" r:id="rId16"/>
-    <p:sldId id="477" r:id="rId17"/>
-    <p:sldId id="478" r:id="rId18"/>
-    <p:sldId id="482" r:id="rId19"/>
-    <p:sldId id="479" r:id="rId20"/>
-    <p:sldId id="480" r:id="rId21"/>
-    <p:sldId id="483" r:id="rId22"/>
-    <p:sldId id="481" r:id="rId23"/>
-    <p:sldId id="476" r:id="rId24"/>
-    <p:sldId id="338" r:id="rId25"/>
+    <p:sldId id="484" r:id="rId13"/>
+    <p:sldId id="464" r:id="rId14"/>
+    <p:sldId id="473" r:id="rId15"/>
+    <p:sldId id="474" r:id="rId16"/>
+    <p:sldId id="475" r:id="rId17"/>
+    <p:sldId id="477" r:id="rId18"/>
+    <p:sldId id="478" r:id="rId19"/>
+    <p:sldId id="482" r:id="rId20"/>
+    <p:sldId id="479" r:id="rId21"/>
+    <p:sldId id="480" r:id="rId22"/>
+    <p:sldId id="483" r:id="rId23"/>
+    <p:sldId id="481" r:id="rId24"/>
+    <p:sldId id="476" r:id="rId25"/>
+    <p:sldId id="338" r:id="rId26"/>
   </p:sldIdLst>
   <p:sldSz cx="12192000" cy="6858000"/>
   <p:notesSz cx="6858000" cy="9144000"/>
+  <p:custShowLst>
+    <p:custShow name="自定义放映 1" id="0">
+      <p:sldLst>
+        <p:sld r:id="rId2"/>
+        <p:sld r:id="rId3"/>
+        <p:sld r:id="rId4"/>
+        <p:sld r:id="rId5"/>
+        <p:sld r:id="rId6"/>
+        <p:sld r:id="rId7"/>
+        <p:sld r:id="rId8"/>
+        <p:sld r:id="rId9"/>
+        <p:sld r:id="rId10"/>
+        <p:sld r:id="rId11"/>
+        <p:sld r:id="rId12"/>
+        <p:sld r:id="rId14"/>
+        <p:sld r:id="rId15"/>
+        <p:sld r:id="rId16"/>
+        <p:sld r:id="rId17"/>
+        <p:sld r:id="rId18"/>
+        <p:sld r:id="rId19"/>
+        <p:sld r:id="rId20"/>
+        <p:sld r:id="rId21"/>
+        <p:sld r:id="rId22"/>
+        <p:sld r:id="rId23"/>
+        <p:sld r:id="rId24"/>
+        <p:sld r:id="rId25"/>
+        <p:sld r:id="rId26"/>
+      </p:sldLst>
+    </p:custShow>
+  </p:custShowLst>
   <p:custDataLst>
-    <p:tags r:id="rId27"/>
+    <p:tags r:id="rId28"/>
   </p:custDataLst>
   <p:defaultTextStyle>
     <a:defPPr>
@@ -255,7 +286,7 @@
           <a:p>
             <a:fld id="{5F660DF4-05DB-A44D-9492-46D446118C52}" type="datetimeFigureOut">
               <a:rPr kumimoji="1" lang="zh-CN" altLang="en-US" smtClean="0"/>
-              <a:t>2022-9-20</a:t>
+              <a:t>2022-9-22</a:t>
             </a:fld>
             <a:endParaRPr kumimoji="1" lang="zh-CN" altLang="en-US"/>
           </a:p>
@@ -747,6 +778,11 @@
         </p:txBody>
       </p:sp>
     </p:spTree>
+    <p:extLst>
+      <p:ext uri="{BB962C8B-B14F-4D97-AF65-F5344CB8AC3E}">
+        <p14:creationId xmlns:p14="http://schemas.microsoft.com/office/powerpoint/2010/main" val="1091086805"/>
+      </p:ext>
+    </p:extLst>
   </p:cSld>
   <p:clrMapOvr>
     <a:masterClrMapping/>
@@ -1221,11 +1257,6 @@
         </p:txBody>
       </p:sp>
     </p:spTree>
-    <p:extLst>
-      <p:ext uri="{BB962C8B-B14F-4D97-AF65-F5344CB8AC3E}">
-        <p14:creationId xmlns:p14="http://schemas.microsoft.com/office/powerpoint/2010/main" val="1610380299"/>
-      </p:ext>
-    </p:extLst>
   </p:cSld>
   <p:clrMapOvr>
     <a:masterClrMapping/>
@@ -1305,6 +1336,11 @@
         </p:txBody>
       </p:sp>
     </p:spTree>
+    <p:extLst>
+      <p:ext uri="{BB962C8B-B14F-4D97-AF65-F5344CB8AC3E}">
+        <p14:creationId xmlns:p14="http://schemas.microsoft.com/office/powerpoint/2010/main" val="1610380299"/>
+      </p:ext>
+    </p:extLst>
   </p:cSld>
   <p:clrMapOvr>
     <a:masterClrMapping/>
@@ -1542,11 +1578,6 @@
         </p:txBody>
       </p:sp>
     </p:spTree>
-    <p:extLst>
-      <p:ext uri="{BB962C8B-B14F-4D97-AF65-F5344CB8AC3E}">
-        <p14:creationId xmlns:p14="http://schemas.microsoft.com/office/powerpoint/2010/main" val="1540291098"/>
-      </p:ext>
-    </p:extLst>
   </p:cSld>
   <p:clrMapOvr>
     <a:masterClrMapping/>
@@ -1626,6 +1657,11 @@
         </p:txBody>
       </p:sp>
     </p:spTree>
+    <p:extLst>
+      <p:ext uri="{BB962C8B-B14F-4D97-AF65-F5344CB8AC3E}">
+        <p14:creationId xmlns:p14="http://schemas.microsoft.com/office/powerpoint/2010/main" val="1540291098"/>
+      </p:ext>
+    </p:extLst>
   </p:cSld>
   <p:clrMapOvr>
     <a:masterClrMapping/>
@@ -1699,6 +1735,85 @@
             <a:fld id="{F1CB8912-F0BA-4AD8-8415-DA1F26BCB09F}" type="slidenum">
               <a:rPr lang="zh-CN" altLang="en-US" smtClean="0"/>
               <a:t>23</a:t>
+            </a:fld>
+            <a:endParaRPr lang="zh-CN" altLang="en-US"/>
+          </a:p>
+        </p:txBody>
+      </p:sp>
+    </p:spTree>
+  </p:cSld>
+  <p:clrMapOvr>
+    <a:masterClrMapping/>
+  </p:clrMapOvr>
+</p:notes>
+</file>
+
+<file path=ppt/notesSlides/notesSlide23.xml><?xml version="1.0" encoding="utf-8"?>
+<p:notes xmlns:a="http://schemas.openxmlformats.org/drawingml/2006/main" xmlns:r="http://schemas.openxmlformats.org/officeDocument/2006/relationships" xmlns:p="http://schemas.openxmlformats.org/presentationml/2006/main">
+  <p:cSld>
+    <p:spTree>
+      <p:nvGrpSpPr>
+        <p:cNvPr id="1" name=""/>
+        <p:cNvGrpSpPr/>
+        <p:nvPr/>
+      </p:nvGrpSpPr>
+      <p:grpSpPr>
+        <a:xfrm>
+          <a:off x="0" y="0"/>
+          <a:ext cx="0" cy="0"/>
+          <a:chOff x="0" y="0"/>
+          <a:chExt cx="0" cy="0"/>
+        </a:xfrm>
+      </p:grpSpPr>
+      <p:sp>
+        <p:nvSpPr>
+          <p:cNvPr id="2" name="幻灯片图像占位符 1"/>
+          <p:cNvSpPr>
+            <a:spLocks noGrp="1" noRot="1" noChangeAspect="1"/>
+          </p:cNvSpPr>
+          <p:nvPr>
+            <p:ph type="sldImg"/>
+          </p:nvPr>
+        </p:nvSpPr>
+        <p:spPr/>
+      </p:sp>
+      <p:sp>
+        <p:nvSpPr>
+          <p:cNvPr id="3" name="备注占位符 2"/>
+          <p:cNvSpPr>
+            <a:spLocks noGrp="1"/>
+          </p:cNvSpPr>
+          <p:nvPr>
+            <p:ph type="body" idx="1"/>
+          </p:nvPr>
+        </p:nvSpPr>
+        <p:spPr/>
+        <p:txBody>
+          <a:bodyPr/>
+          <a:lstStyle/>
+          <a:p>
+            <a:endParaRPr lang="zh-CN" altLang="en-US"/>
+          </a:p>
+        </p:txBody>
+      </p:sp>
+      <p:sp>
+        <p:nvSpPr>
+          <p:cNvPr id="4" name="灯片编号占位符 3"/>
+          <p:cNvSpPr>
+            <a:spLocks noGrp="1"/>
+          </p:cNvSpPr>
+          <p:nvPr>
+            <p:ph type="sldNum" sz="quarter" idx="10"/>
+          </p:nvPr>
+        </p:nvSpPr>
+        <p:spPr/>
+        <p:txBody>
+          <a:bodyPr/>
+          <a:lstStyle/>
+          <a:p>
+            <a:fld id="{F1CB8912-F0BA-4AD8-8415-DA1F26BCB09F}" type="slidenum">
+              <a:rPr lang="zh-CN" altLang="en-US" smtClean="0"/>
+              <a:t>24</a:t>
             </a:fld>
             <a:endParaRPr lang="zh-CN" altLang="en-US"/>
           </a:p>
@@ -2396,7 +2511,7 @@
           <a:p>
             <a:fld id="{C764DE79-268F-4C1A-8933-263129D2AF90}" type="datetimeFigureOut">
               <a:rPr lang="en-US" smtClean="0"/>
-              <a:t>9/20/2022</a:t>
+              <a:t>9/22/2022</a:t>
             </a:fld>
             <a:endParaRPr lang="en-US" dirty="0"/>
           </a:p>
@@ -2661,7 +2776,7 @@
           <a:p>
             <a:fld id="{C764DE79-268F-4C1A-8933-263129D2AF90}" type="datetimeFigureOut">
               <a:rPr lang="en-US" smtClean="0"/>
-              <a:t>9/20/2022</a:t>
+              <a:t>9/22/2022</a:t>
             </a:fld>
             <a:endParaRPr lang="en-US" dirty="0"/>
           </a:p>
@@ -2836,7 +2951,7 @@
           <a:p>
             <a:fld id="{C764DE79-268F-4C1A-8933-263129D2AF90}" type="datetimeFigureOut">
               <a:rPr lang="en-US" smtClean="0"/>
-              <a:t>9/20/2022</a:t>
+              <a:t>9/22/2022</a:t>
             </a:fld>
             <a:endParaRPr lang="en-US" dirty="0"/>
           </a:p>
@@ -3202,7 +3317,7 @@
           <a:p>
             <a:fld id="{C764DE79-268F-4C1A-8933-263129D2AF90}" type="datetimeFigureOut">
               <a:rPr lang="en-US" smtClean="0"/>
-              <a:t>9/20/2022</a:t>
+              <a:t>9/22/2022</a:t>
             </a:fld>
             <a:endParaRPr lang="en-US" dirty="0"/>
           </a:p>
@@ -3489,7 +3604,7 @@
           <a:p>
             <a:fld id="{C764DE79-268F-4C1A-8933-263129D2AF90}" type="datetimeFigureOut">
               <a:rPr lang="en-US" smtClean="0"/>
-              <a:t>9/20/2022</a:t>
+              <a:t>9/22/2022</a:t>
             </a:fld>
             <a:endParaRPr lang="en-US" dirty="0"/>
           </a:p>
@@ -3716,7 +3831,7 @@
           <a:p>
             <a:fld id="{C764DE79-268F-4C1A-8933-263129D2AF90}" type="datetimeFigureOut">
               <a:rPr lang="en-US" smtClean="0"/>
-              <a:t>9/20/2022</a:t>
+              <a:t>9/22/2022</a:t>
             </a:fld>
             <a:endParaRPr lang="en-US" dirty="0"/>
           </a:p>
@@ -4078,7 +4193,7 @@
           <a:p>
             <a:fld id="{C764DE79-268F-4C1A-8933-263129D2AF90}" type="datetimeFigureOut">
               <a:rPr lang="en-US" smtClean="0"/>
-              <a:t>9/20/2022</a:t>
+              <a:t>9/22/2022</a:t>
             </a:fld>
             <a:endParaRPr lang="en-US" dirty="0"/>
           </a:p>
@@ -4193,7 +4308,7 @@
           <a:p>
             <a:fld id="{C764DE79-268F-4C1A-8933-263129D2AF90}" type="datetimeFigureOut">
               <a:rPr lang="en-US" smtClean="0"/>
-              <a:t>9/20/2022</a:t>
+              <a:t>9/22/2022</a:t>
             </a:fld>
             <a:endParaRPr lang="en-US" dirty="0"/>
           </a:p>
@@ -4500,7 +4615,7 @@
           <a:p>
             <a:fld id="{C764DE79-268F-4C1A-8933-263129D2AF90}" type="datetimeFigureOut">
               <a:rPr lang="en-US" smtClean="0"/>
-              <a:t>9/20/2022</a:t>
+              <a:t>9/22/2022</a:t>
             </a:fld>
             <a:endParaRPr lang="en-US" dirty="0"/>
           </a:p>
@@ -4752,7 +4867,7 @@
           <a:p>
             <a:fld id="{C764DE79-268F-4C1A-8933-263129D2AF90}" type="datetimeFigureOut">
               <a:rPr lang="en-US" smtClean="0"/>
-              <a:t>9/20/2022</a:t>
+              <a:t>9/22/2022</a:t>
             </a:fld>
             <a:endParaRPr lang="en-US" dirty="0"/>
           </a:p>
@@ -4960,7 +5075,7 @@
           <a:p>
             <a:fld id="{C764DE79-268F-4C1A-8933-263129D2AF90}" type="datetimeFigureOut">
               <a:rPr lang="en-US" smtClean="0"/>
-              <a:t>9/20/2022</a:t>
+              <a:t>9/22/2022</a:t>
             </a:fld>
             <a:endParaRPr lang="en-US" dirty="0"/>
           </a:p>
@@ -5862,12 +5977,12 @@
           <a:p>
             <a:pPr algn="l"/>
             <a:r>
-              <a:rPr lang="zh-CN" altLang="en-US">
+              <a:rPr lang="zh-CN" altLang="en-US" dirty="0">
                 <a:sym typeface="+mn-ea"/>
               </a:rPr>
               <a:t>NSR（Native Side Rendering）、ESR（Edge Side Rendering）</a:t>
             </a:r>
-            <a:endParaRPr lang="zh-CN" altLang="en-US"/>
+            <a:endParaRPr lang="zh-CN" altLang="en-US" dirty="0"/>
           </a:p>
         </p:txBody>
       </p:sp>
@@ -6176,19 +6291,19 @@
           <a:p>
             <a:pPr algn="l"/>
             <a:r>
-              <a:rPr lang="en-US" altLang="zh-CN"/>
+              <a:rPr lang="en-US" altLang="zh-CN" dirty="0"/>
               <a:t>web</a:t>
             </a:r>
             <a:r>
-              <a:rPr lang="zh-CN" altLang="en-US"/>
+              <a:rPr lang="zh-CN" altLang="en-US" dirty="0"/>
               <a:t>应用渲染本质上只有客户端渲染和服务器端渲染。不过可以二者组合为混合渲染模式，生成各个场景下的解决方案，为</a:t>
             </a:r>
             <a:r>
-              <a:rPr lang="en-US" altLang="zh-CN"/>
+              <a:rPr lang="en-US" altLang="zh-CN" dirty="0"/>
               <a:t>web</a:t>
             </a:r>
             <a:r>
-              <a:rPr lang="zh-CN" altLang="en-US"/>
+              <a:rPr lang="zh-CN" altLang="en-US" dirty="0"/>
               <a:t>应用提供极致的渲染体验。</a:t>
             </a:r>
           </a:p>
@@ -6221,60 +6336,20 @@
       </p:grpSpPr>
       <p:sp>
         <p:nvSpPr>
-          <p:cNvPr id="10" name="矩形 9"/>
-          <p:cNvSpPr/>
-          <p:nvPr/>
-        </p:nvSpPr>
-        <p:spPr>
-          <a:xfrm>
-            <a:off x="4214567" y="3170955"/>
-            <a:ext cx="7658100" cy="282172"/>
-          </a:xfrm>
-          <a:prstGeom prst="rect">
-            <a:avLst/>
-          </a:prstGeom>
-          <a:solidFill>
-            <a:srgbClr val="65BA67"/>
-          </a:solidFill>
-          <a:ln>
-            <a:noFill/>
-          </a:ln>
-        </p:spPr>
-        <p:style>
-          <a:lnRef idx="2">
-            <a:schemeClr val="accent1">
-              <a:shade val="50000"/>
-            </a:schemeClr>
-          </a:lnRef>
-          <a:fillRef idx="1">
-            <a:schemeClr val="accent1"/>
-          </a:fillRef>
-          <a:effectRef idx="0">
-            <a:schemeClr val="accent1"/>
-          </a:effectRef>
-          <a:fontRef idx="minor">
-            <a:schemeClr val="lt1"/>
-          </a:fontRef>
-        </p:style>
-        <p:txBody>
-          <a:bodyPr rtlCol="0" anchor="ctr"/>
-          <a:lstStyle/>
-          <a:p>
-            <a:pPr algn="ctr"/>
-            <a:endParaRPr lang="zh-CN" altLang="en-US"/>
-          </a:p>
-        </p:txBody>
-      </p:sp>
-      <p:sp>
-        <p:nvSpPr>
-          <p:cNvPr id="13" name="Textfeld 29"/>
+          <p:cNvPr id="4" name="文本框 3">
+            <a:extLst>
+              <a:ext uri="{FF2B5EF4-FFF2-40B4-BE49-F238E27FC236}">
+                <a16:creationId xmlns:a16="http://schemas.microsoft.com/office/drawing/2014/main" id="{429D95D1-741A-469F-BD86-8EC497A0E37D}"/>
+              </a:ext>
+            </a:extLst>
+          </p:cNvPr>
           <p:cNvSpPr txBox="1"/>
           <p:nvPr/>
         </p:nvSpPr>
         <p:spPr>
           <a:xfrm>
-            <a:off x="5033417" y="2137831"/>
-            <a:ext cx="3913959" cy="1383665"/>
+            <a:off x="695400" y="1556792"/>
+            <a:ext cx="10801200" cy="1200329"/>
           </a:xfrm>
           <a:prstGeom prst="rect">
             <a:avLst/>
@@ -6287,232 +6362,86 @@
           </a:bodyPr>
           <a:lstStyle/>
           <a:p>
-            <a:pPr defTabSz="228600"/>
-            <a:r>
-              <a:rPr lang="zh-CN" altLang="en-US" sz="3200" b="1" dirty="0">
-                <a:latin typeface="Microsoft YaHei Bold" panose="020B0503020204020204" charset="-122"/>
-                <a:ea typeface="Microsoft YaHei Bold" panose="020B0503020204020204" charset="-122"/>
-                <a:cs typeface="Microsoft YaHei Bold" panose="020B0503020204020204" charset="-122"/>
-                <a:sym typeface="+mn-ea"/>
+            <a:pPr marL="285750" indent="-285750">
+              <a:buFontTx/>
+              <a:buChar char="-"/>
+            </a:pPr>
+            <a:r>
+              <a:rPr lang="en-US" altLang="zh-CN" dirty="0"/>
+              <a:t>[</a:t>
+            </a:r>
+            <a:r>
+              <a:rPr lang="en-US" altLang="zh-CN" dirty="0" err="1"/>
+              <a:t>新一代</a:t>
+            </a:r>
+            <a:r>
+              <a:rPr lang="en-US" altLang="zh-CN" dirty="0"/>
+              <a:t> Web </a:t>
+            </a:r>
+            <a:r>
+              <a:rPr lang="en-US" altLang="zh-CN" dirty="0" err="1"/>
+              <a:t>建站技术栈的演进：SSR、SSG、ISR、DPR</a:t>
+            </a:r>
+            <a:r>
+              <a:rPr lang="en-US" altLang="zh-CN" dirty="0"/>
+              <a:t> </a:t>
+            </a:r>
+            <a:r>
+              <a:rPr lang="en-US" altLang="zh-CN" dirty="0" err="1"/>
+              <a:t>都在做什么</a:t>
+            </a:r>
+            <a:r>
+              <a:rPr lang="en-US" altLang="zh-CN" dirty="0"/>
+              <a:t>？](</a:t>
+            </a:r>
+            <a:r>
+              <a:rPr lang="en-US" altLang="zh-CN" dirty="0">
+                <a:hlinkClick r:id="rId3"/>
               </a:rPr>
-              <a:t>微前端</a:t>
-            </a:r>
-            <a:endParaRPr lang="zh-CN" altLang="en-US" sz="3200" b="1" dirty="0">
-              <a:latin typeface="微软雅黑" panose="020B0503020204020204" pitchFamily="34" charset="-122"/>
-              <a:cs typeface="+mn-ea"/>
-              <a:sym typeface="+mn-lt"/>
-            </a:endParaRPr>
-          </a:p>
-          <a:p>
-            <a:pPr defTabSz="228600"/>
-            <a:endParaRPr lang="zh-CN" altLang="en-US" sz="5200" b="1" dirty="0">
-              <a:latin typeface="微软雅黑" panose="020B0503020204020204" pitchFamily="34" charset="-122"/>
-              <a:ea typeface="微软雅黑" panose="020B0503020204020204" pitchFamily="34" charset="-122"/>
-              <a:cs typeface="+mn-ea"/>
-              <a:sym typeface="+mn-lt"/>
-            </a:endParaRPr>
-          </a:p>
-        </p:txBody>
-      </p:sp>
-      <p:sp>
-        <p:nvSpPr>
-          <p:cNvPr id="15" name="矩形 14"/>
-          <p:cNvSpPr/>
-          <p:nvPr/>
-        </p:nvSpPr>
-        <p:spPr>
-          <a:xfrm>
-            <a:off x="2068544" y="1356808"/>
-            <a:ext cx="1633804" cy="1628465"/>
-          </a:xfrm>
-          <a:prstGeom prst="rect">
-            <a:avLst/>
-          </a:prstGeom>
-          <a:solidFill>
-            <a:srgbClr val="5B318F"/>
-          </a:solidFill>
-          <a:ln>
-            <a:noFill/>
-          </a:ln>
-        </p:spPr>
-        <p:style>
-          <a:lnRef idx="2">
-            <a:schemeClr val="accent1">
-              <a:shade val="50000"/>
-            </a:schemeClr>
-          </a:lnRef>
-          <a:fillRef idx="1">
-            <a:schemeClr val="accent1"/>
-          </a:fillRef>
-          <a:effectRef idx="0">
-            <a:schemeClr val="accent1"/>
-          </a:effectRef>
-          <a:fontRef idx="minor">
-            <a:schemeClr val="lt1"/>
-          </a:fontRef>
-        </p:style>
-        <p:txBody>
-          <a:bodyPr rtlCol="0" anchor="ctr"/>
-          <a:lstStyle/>
-          <a:p>
-            <a:pPr algn="ctr"/>
+              <a:t>https://zhuanlan.zhihu.com/p/365113639</a:t>
+            </a:r>
+            <a:r>
+              <a:rPr lang="en-US" altLang="zh-CN" dirty="0"/>
+              <a:t>)</a:t>
+            </a:r>
+          </a:p>
+          <a:p>
+            <a:pPr marL="285750" indent="-285750">
+              <a:buFontTx/>
+              <a:buChar char="-"/>
+            </a:pPr>
+            <a:r>
+              <a:rPr lang="en-US" altLang="zh-CN" dirty="0"/>
+              <a:t>[</a:t>
+            </a:r>
+            <a:r>
+              <a:rPr lang="zh-CN" altLang="en-US" dirty="0"/>
+              <a:t>啥是 </a:t>
+            </a:r>
+            <a:r>
+              <a:rPr lang="en-US" altLang="zh-CN" dirty="0"/>
+              <a:t>XXR </a:t>
+            </a:r>
+            <a:r>
+              <a:rPr lang="zh-CN" altLang="en-US" dirty="0"/>
+              <a:t>？认识前端项目渲染模式们</a:t>
+            </a:r>
+            <a:r>
+              <a:rPr lang="en-US" altLang="zh-CN" dirty="0"/>
+              <a:t>](https://cloud.tencent.com/developer/article/1916429)</a:t>
+            </a:r>
+          </a:p>
+          <a:p>
             <a:endParaRPr lang="zh-CN" altLang="en-US" dirty="0"/>
           </a:p>
         </p:txBody>
       </p:sp>
-      <p:sp>
-        <p:nvSpPr>
-          <p:cNvPr id="9" name="矩形 8"/>
-          <p:cNvSpPr/>
-          <p:nvPr/>
-        </p:nvSpPr>
-        <p:spPr>
-          <a:xfrm>
-            <a:off x="2335700" y="1677861"/>
-            <a:ext cx="1767154" cy="1804354"/>
-          </a:xfrm>
-          <a:prstGeom prst="rect">
-            <a:avLst/>
-          </a:prstGeom>
-          <a:solidFill>
-            <a:srgbClr val="78BF72"/>
-          </a:solidFill>
-          <a:ln>
-            <a:noFill/>
-          </a:ln>
-        </p:spPr>
-        <p:style>
-          <a:lnRef idx="2">
-            <a:schemeClr val="accent1">
-              <a:shade val="50000"/>
-            </a:schemeClr>
-          </a:lnRef>
-          <a:fillRef idx="1">
-            <a:schemeClr val="accent1"/>
-          </a:fillRef>
-          <a:effectRef idx="0">
-            <a:schemeClr val="accent1"/>
-          </a:effectRef>
-          <a:fontRef idx="minor">
-            <a:schemeClr val="lt1"/>
-          </a:fontRef>
-        </p:style>
-        <p:txBody>
-          <a:bodyPr rtlCol="0" anchor="ctr"/>
-          <a:lstStyle/>
-          <a:p>
-            <a:pPr algn="ctr"/>
-            <a:endParaRPr lang="zh-CN" altLang="en-US"/>
-          </a:p>
-        </p:txBody>
-      </p:sp>
-      <p:sp>
-        <p:nvSpPr>
-          <p:cNvPr id="16" name="文本框 15"/>
-          <p:cNvSpPr txBox="1"/>
-          <p:nvPr/>
-        </p:nvSpPr>
-        <p:spPr>
-          <a:xfrm>
-            <a:off x="2771351" y="2084803"/>
-            <a:ext cx="1036320" cy="1014730"/>
-          </a:xfrm>
-          <a:prstGeom prst="rect">
-            <a:avLst/>
-          </a:prstGeom>
-          <a:noFill/>
-        </p:spPr>
-        <p:txBody>
-          <a:bodyPr wrap="none" rtlCol="0">
-            <a:spAutoFit/>
-            <a:scene3d>
-              <a:camera prst="orthographicFront"/>
-              <a:lightRig rig="threePt" dir="t"/>
-            </a:scene3d>
-            <a:sp3d contourW="12700"/>
-          </a:bodyPr>
-          <a:lstStyle/>
-          <a:p>
-            <a:r>
-              <a:rPr lang="en-US" altLang="zh-CN" sz="6000" b="1" dirty="0">
-                <a:solidFill>
-                  <a:schemeClr val="bg1"/>
-                </a:solidFill>
-                <a:latin typeface="Century Gothic" panose="020B0502020202020204" pitchFamily="34" charset="0"/>
-              </a:rPr>
-              <a:t>10</a:t>
-            </a:r>
-          </a:p>
-        </p:txBody>
-      </p:sp>
-      <p:sp>
-        <p:nvSpPr>
-          <p:cNvPr id="3" name="文本框 2"/>
-          <p:cNvSpPr txBox="1"/>
-          <p:nvPr/>
-        </p:nvSpPr>
-        <p:spPr>
-          <a:xfrm>
-            <a:off x="2131060" y="4382135"/>
-            <a:ext cx="9492615" cy="2030095"/>
-          </a:xfrm>
-          <a:prstGeom prst="rect">
-            <a:avLst/>
-          </a:prstGeom>
-          <a:noFill/>
-        </p:spPr>
-        <p:txBody>
-          <a:bodyPr wrap="square" rtlCol="0">
-            <a:spAutoFit/>
-          </a:bodyPr>
-          <a:lstStyle/>
-          <a:p>
-            <a:pPr algn="l"/>
-            <a:r>
-              <a:rPr lang="zh-CN" altLang="en-US"/>
-              <a:t>1. 将微服务的思想拓展到前端的一种新兴架构，背后主要思想是将一个单体代码库，拆解为多个较小的部分，以便多个相对独立的团队进行分工协作。</a:t>
-            </a:r>
-            <a:r>
-              <a:rPr lang="en-US" altLang="zh-CN"/>
-              <a:t> -- </a:t>
-            </a:r>
-            <a:r>
-              <a:rPr lang="zh-CN" altLang="en-US"/>
-              <a:t>微前端设计与实现</a:t>
-            </a:r>
-          </a:p>
-          <a:p>
-            <a:pPr algn="l"/>
-            <a:r>
-              <a:rPr lang="zh-CN" altLang="en-US"/>
-              <a:t>2. 与使用不同 JavaScript 框架的多个团队一起构建现代 Web 应用程序的技术、策略和秘诀。</a:t>
-            </a:r>
-            <a:r>
-              <a:rPr lang="en-US" altLang="zh-CN"/>
-              <a:t>--https://micro-frontends.org/</a:t>
-            </a:r>
-            <a:br>
-              <a:rPr lang="en-US" altLang="zh-CN"/>
-            </a:br>
-            <a:br>
-              <a:rPr lang="en-US" altLang="zh-CN"/>
-            </a:br>
-            <a:r>
-              <a:rPr lang="zh-CN" altLang="en-US"/>
-              <a:t>共性：技术无关，拆解应用，运行时隔离，团队协作。注：微前端架构下，可以使用任意渲染方式，本质是一个</a:t>
-            </a:r>
-            <a:r>
-              <a:rPr lang="en-US" altLang="zh-CN"/>
-              <a:t>Web</a:t>
-            </a:r>
-            <a:r>
-              <a:rPr lang="zh-CN" altLang="en-US"/>
-              <a:t>单页应用程序。</a:t>
-            </a:r>
-          </a:p>
-        </p:txBody>
-      </p:sp>
     </p:spTree>
+    <p:extLst>
+      <p:ext uri="{BB962C8B-B14F-4D97-AF65-F5344CB8AC3E}">
+        <p14:creationId xmlns:p14="http://schemas.microsoft.com/office/powerpoint/2010/main" val="3023259593"/>
+      </p:ext>
+    </p:extLst>
   </p:cSld>
   <p:clrMapOvr>
     <a:masterClrMapping/>
@@ -6613,8 +6542,13 @@
                 <a:cs typeface="Microsoft YaHei Bold" panose="020B0503020204020204" charset="-122"/>
                 <a:sym typeface="+mn-ea"/>
               </a:rPr>
-              <a:t>为什么需要微前端</a:t>
-            </a:r>
+              <a:t>微前端</a:t>
+            </a:r>
+            <a:endParaRPr lang="zh-CN" altLang="en-US" sz="3200" b="1" dirty="0">
+              <a:latin typeface="微软雅黑" panose="020B0503020204020204" pitchFamily="34" charset="-122"/>
+              <a:cs typeface="+mn-ea"/>
+              <a:sym typeface="+mn-lt"/>
+            </a:endParaRPr>
           </a:p>
           <a:p>
             <a:pPr defTabSz="228600"/>
@@ -6753,7 +6687,7 @@
                 </a:solidFill>
                 <a:latin typeface="Century Gothic" panose="020B0502020202020204" pitchFamily="34" charset="0"/>
               </a:rPr>
-              <a:t>11</a:t>
+              <a:t>10</a:t>
             </a:r>
           </a:p>
         </p:txBody>
@@ -6766,8 +6700,8 @@
         </p:nvSpPr>
         <p:spPr>
           <a:xfrm>
-            <a:off x="2131060" y="3592830"/>
-            <a:ext cx="9492615" cy="2861310"/>
+            <a:off x="2131060" y="4382135"/>
+            <a:ext cx="9492615" cy="2030095"/>
           </a:xfrm>
           <a:prstGeom prst="rect">
             <a:avLst/>
@@ -6782,41 +6716,45 @@
           <a:p>
             <a:pPr algn="l"/>
             <a:r>
-              <a:t>当前问题</a:t>
+              <a:rPr lang="zh-CN" altLang="en-US"/>
+              <a:t>1. 将微服务的思想拓展到前端的一种新兴架构，背后主要思想是将一个单体代码库，拆解为多个较小的部分，以便多个相对独立的团队进行分工协作。</a:t>
+            </a:r>
+            <a:r>
+              <a:rPr lang="en-US" altLang="zh-CN"/>
+              <a:t> -- </a:t>
+            </a:r>
+            <a:r>
+              <a:rPr lang="zh-CN" altLang="en-US"/>
+              <a:t>微前端设计与实现</a:t>
             </a:r>
           </a:p>
           <a:p>
             <a:pPr algn="l"/>
-            <a:endParaRPr/>
-          </a:p>
-          <a:p>
-            <a:pPr algn="l"/>
-            <a:r>
-              <a:rPr lang="en-US"/>
-              <a:t>1.</a:t>
-            </a:r>
-            <a:r>
-              <a:t> MPA 方案的优点在于 部署简单、各应用之间硬隔离，天生具备技术栈无关、独立开发、独立部署的特性。缺点则也很明显，应用之间切换会造成浏览器重刷，cookie 不通用问题，由于产品域名之间相互跳转，流程体验上会存在断点。</a:t>
-            </a:r>
-          </a:p>
-          <a:p>
-            <a:pPr algn="l"/>
-            <a:r>
-              <a:rPr lang="en-US"/>
-              <a:t>2.</a:t>
-            </a:r>
-            <a:r>
-              <a:t> SPA 则天生具备体验上的优势，应用直接无刷新切换，能极大的保证多产品之间流程操作串联时的流程性。缺点则在于各应用技术栈之间是强耦合的。</a:t>
-            </a:r>
-          </a:p>
-          <a:p>
-            <a:pPr algn="l"/>
-            <a:endParaRPr/>
-          </a:p>
-          <a:p>
-            <a:pPr algn="l"/>
-            <a:r>
-              <a:t>提示：MPA 满足微前端的要求，但是体验太差，SPA 体验好，但是不满足微前端要求，`所以，取个中`。</a:t>
+            <a:r>
+              <a:rPr lang="zh-CN" altLang="en-US"/>
+              <a:t>2. 与使用不同 JavaScript 框架的多个团队一起构建现代 Web 应用程序的技术、策略和秘诀。</a:t>
+            </a:r>
+            <a:r>
+              <a:rPr lang="en-US" altLang="zh-CN"/>
+              <a:t>--https://micro-frontends.org/</a:t>
+            </a:r>
+            <a:br>
+              <a:rPr lang="en-US" altLang="zh-CN"/>
+            </a:br>
+            <a:br>
+              <a:rPr lang="en-US" altLang="zh-CN"/>
+            </a:br>
+            <a:r>
+              <a:rPr lang="zh-CN" altLang="en-US"/>
+              <a:t>共性：技术无关，拆解应用，运行时隔离，团队协作。注：微前端架构下，可以使用任意渲染方式，本质是一个</a:t>
+            </a:r>
+            <a:r>
+              <a:rPr lang="en-US" altLang="zh-CN"/>
+              <a:t>Web</a:t>
+            </a:r>
+            <a:r>
+              <a:rPr lang="zh-CN" altLang="en-US"/>
+              <a:t>单页应用程序。</a:t>
             </a:r>
           </a:p>
         </p:txBody>
@@ -6848,6 +6786,188 @@
       </p:grpSpPr>
       <p:sp>
         <p:nvSpPr>
+          <p:cNvPr id="10" name="矩形 9"/>
+          <p:cNvSpPr/>
+          <p:nvPr/>
+        </p:nvSpPr>
+        <p:spPr>
+          <a:xfrm>
+            <a:off x="4214567" y="3170955"/>
+            <a:ext cx="7658100" cy="282172"/>
+          </a:xfrm>
+          <a:prstGeom prst="rect">
+            <a:avLst/>
+          </a:prstGeom>
+          <a:solidFill>
+            <a:srgbClr val="65BA67"/>
+          </a:solidFill>
+          <a:ln>
+            <a:noFill/>
+          </a:ln>
+        </p:spPr>
+        <p:style>
+          <a:lnRef idx="2">
+            <a:schemeClr val="accent1">
+              <a:shade val="50000"/>
+            </a:schemeClr>
+          </a:lnRef>
+          <a:fillRef idx="1">
+            <a:schemeClr val="accent1"/>
+          </a:fillRef>
+          <a:effectRef idx="0">
+            <a:schemeClr val="accent1"/>
+          </a:effectRef>
+          <a:fontRef idx="minor">
+            <a:schemeClr val="lt1"/>
+          </a:fontRef>
+        </p:style>
+        <p:txBody>
+          <a:bodyPr rtlCol="0" anchor="ctr"/>
+          <a:lstStyle/>
+          <a:p>
+            <a:pPr algn="ctr"/>
+            <a:endParaRPr lang="zh-CN" altLang="en-US"/>
+          </a:p>
+        </p:txBody>
+      </p:sp>
+      <p:sp>
+        <p:nvSpPr>
+          <p:cNvPr id="13" name="Textfeld 29"/>
+          <p:cNvSpPr txBox="1"/>
+          <p:nvPr/>
+        </p:nvSpPr>
+        <p:spPr>
+          <a:xfrm>
+            <a:off x="5033417" y="2137831"/>
+            <a:ext cx="3913959" cy="1383665"/>
+          </a:xfrm>
+          <a:prstGeom prst="rect">
+            <a:avLst/>
+          </a:prstGeom>
+          <a:noFill/>
+        </p:spPr>
+        <p:txBody>
+          <a:bodyPr wrap="square" rtlCol="0">
+            <a:spAutoFit/>
+          </a:bodyPr>
+          <a:lstStyle/>
+          <a:p>
+            <a:pPr defTabSz="228600"/>
+            <a:r>
+              <a:rPr lang="zh-CN" altLang="en-US" sz="3200" b="1" dirty="0">
+                <a:latin typeface="Microsoft YaHei Bold" panose="020B0503020204020204" charset="-122"/>
+                <a:ea typeface="Microsoft YaHei Bold" panose="020B0503020204020204" charset="-122"/>
+                <a:cs typeface="Microsoft YaHei Bold" panose="020B0503020204020204" charset="-122"/>
+                <a:sym typeface="+mn-ea"/>
+              </a:rPr>
+              <a:t>为什么需要微前端</a:t>
+            </a:r>
+          </a:p>
+          <a:p>
+            <a:pPr defTabSz="228600"/>
+            <a:endParaRPr lang="zh-CN" altLang="en-US" sz="5200" b="1" dirty="0">
+              <a:latin typeface="微软雅黑" panose="020B0503020204020204" pitchFamily="34" charset="-122"/>
+              <a:ea typeface="微软雅黑" panose="020B0503020204020204" pitchFamily="34" charset="-122"/>
+              <a:cs typeface="+mn-ea"/>
+              <a:sym typeface="+mn-lt"/>
+            </a:endParaRPr>
+          </a:p>
+        </p:txBody>
+      </p:sp>
+      <p:sp>
+        <p:nvSpPr>
+          <p:cNvPr id="15" name="矩形 14"/>
+          <p:cNvSpPr/>
+          <p:nvPr/>
+        </p:nvSpPr>
+        <p:spPr>
+          <a:xfrm>
+            <a:off x="2068544" y="1356808"/>
+            <a:ext cx="1633804" cy="1628465"/>
+          </a:xfrm>
+          <a:prstGeom prst="rect">
+            <a:avLst/>
+          </a:prstGeom>
+          <a:solidFill>
+            <a:srgbClr val="5B318F"/>
+          </a:solidFill>
+          <a:ln>
+            <a:noFill/>
+          </a:ln>
+        </p:spPr>
+        <p:style>
+          <a:lnRef idx="2">
+            <a:schemeClr val="accent1">
+              <a:shade val="50000"/>
+            </a:schemeClr>
+          </a:lnRef>
+          <a:fillRef idx="1">
+            <a:schemeClr val="accent1"/>
+          </a:fillRef>
+          <a:effectRef idx="0">
+            <a:schemeClr val="accent1"/>
+          </a:effectRef>
+          <a:fontRef idx="minor">
+            <a:schemeClr val="lt1"/>
+          </a:fontRef>
+        </p:style>
+        <p:txBody>
+          <a:bodyPr rtlCol="0" anchor="ctr"/>
+          <a:lstStyle/>
+          <a:p>
+            <a:pPr algn="ctr"/>
+            <a:endParaRPr lang="zh-CN" altLang="en-US" dirty="0"/>
+          </a:p>
+        </p:txBody>
+      </p:sp>
+      <p:sp>
+        <p:nvSpPr>
+          <p:cNvPr id="9" name="矩形 8"/>
+          <p:cNvSpPr/>
+          <p:nvPr/>
+        </p:nvSpPr>
+        <p:spPr>
+          <a:xfrm>
+            <a:off x="2335700" y="1677861"/>
+            <a:ext cx="1767154" cy="1804354"/>
+          </a:xfrm>
+          <a:prstGeom prst="rect">
+            <a:avLst/>
+          </a:prstGeom>
+          <a:solidFill>
+            <a:srgbClr val="78BF72"/>
+          </a:solidFill>
+          <a:ln>
+            <a:noFill/>
+          </a:ln>
+        </p:spPr>
+        <p:style>
+          <a:lnRef idx="2">
+            <a:schemeClr val="accent1">
+              <a:shade val="50000"/>
+            </a:schemeClr>
+          </a:lnRef>
+          <a:fillRef idx="1">
+            <a:schemeClr val="accent1"/>
+          </a:fillRef>
+          <a:effectRef idx="0">
+            <a:schemeClr val="accent1"/>
+          </a:effectRef>
+          <a:fontRef idx="minor">
+            <a:schemeClr val="lt1"/>
+          </a:fontRef>
+        </p:style>
+        <p:txBody>
+          <a:bodyPr rtlCol="0" anchor="ctr"/>
+          <a:lstStyle/>
+          <a:p>
+            <a:pPr algn="ctr"/>
+            <a:endParaRPr lang="zh-CN" altLang="en-US"/>
+          </a:p>
+        </p:txBody>
+      </p:sp>
+      <p:sp>
+        <p:nvSpPr>
           <p:cNvPr id="16" name="文本框 15"/>
           <p:cNvSpPr txBox="1"/>
           <p:nvPr/>
@@ -6855,7 +6975,7 @@
         <p:spPr>
           <a:xfrm>
             <a:off x="2771351" y="2084803"/>
-            <a:ext cx="609600" cy="1014730"/>
+            <a:ext cx="1036320" cy="1014730"/>
           </a:xfrm>
           <a:prstGeom prst="rect">
             <a:avLst/>
@@ -6880,7 +7000,7 @@
                 </a:solidFill>
                 <a:latin typeface="Century Gothic" panose="020B0502020202020204" pitchFamily="34" charset="0"/>
               </a:rPr>
-              <a:t>1</a:t>
+              <a:t>11</a:t>
             </a:r>
           </a:p>
         </p:txBody>
@@ -6893,8 +7013,8 @@
         </p:nvSpPr>
         <p:spPr>
           <a:xfrm>
-            <a:off x="1991995" y="1124585"/>
-            <a:ext cx="9492615" cy="5754370"/>
+            <a:off x="2131060" y="3592830"/>
+            <a:ext cx="9492615" cy="2861310"/>
           </a:xfrm>
           <a:prstGeom prst="rect">
             <a:avLst/>
@@ -6909,122 +7029,42 @@
           <a:p>
             <a:pPr algn="l"/>
             <a:r>
-              <a:rPr sz="1600"/>
-              <a:t> 核心价值</a:t>
+              <a:t>当前问题</a:t>
             </a:r>
           </a:p>
           <a:p>
             <a:pPr algn="l"/>
-            <a:endParaRPr sz="1600"/>
+            <a:endParaRPr/>
           </a:p>
           <a:p>
             <a:pPr algn="l"/>
             <a:r>
-              <a:rPr sz="1600"/>
-              <a:t>1. 我认为微前端的核心价值在于 "技术栈无关"，这才是它诞生的理由，或者说这才是能说服我采用微前端方案的理由。 --qiankun 作者</a:t>
+              <a:rPr lang="en-US"/>
+              <a:t>1.</a:t>
+            </a:r>
+            <a:r>
+              <a:t> MPA 方案的优点在于 部署简单、各应用之间硬隔离，天生具备技术栈无关、独立开发、独立部署的特性。缺点则也很明显，应用之间切换会造成浏览器重刷，cookie 不通用问题，由于产品域名之间相互跳转，流程体验上会存在断点。</a:t>
             </a:r>
           </a:p>
           <a:p>
             <a:pPr algn="l"/>
             <a:r>
-              <a:rPr sz="1600"/>
-              <a:t>2. 事实上如果所有的 web 技术栈能做到统一，所有 library 的升级都能做到向下兼容，我们确实就不需要微前端了。 --qiankun 作者</a:t>
+              <a:rPr lang="en-US"/>
+              <a:t>2.</a:t>
+            </a:r>
+            <a:r>
+              <a:t> SPA 则天生具备体验上的优势，应用直接无刷新切换，能极大的保证多产品之间流程操作串联时的流程性。缺点则在于各应用技术栈之间是强耦合的。</a:t>
             </a:r>
           </a:p>
           <a:p>
             <a:pPr algn="l"/>
-            <a:endParaRPr sz="1600"/>
+            <a:endParaRPr/>
           </a:p>
           <a:p>
             <a:pPr algn="l"/>
             <a:r>
-              <a:rPr sz="1600"/>
-              <a:t>提示：这里的关键字`兼容`，不同框架的兼容，框架不同版本的兼容。</a:t>
-            </a:r>
-          </a:p>
-          <a:p>
-            <a:pPr algn="l"/>
-            <a:endParaRPr sz="1600"/>
-          </a:p>
-          <a:p>
-            <a:pPr algn="l"/>
-            <a:r>
-              <a:rPr sz="1600"/>
-              <a:t> 技术价值</a:t>
-            </a:r>
-          </a:p>
-          <a:p>
-            <a:pPr algn="l"/>
-            <a:endParaRPr sz="1600"/>
-          </a:p>
-          <a:p>
-            <a:pPr algn="l"/>
-            <a:r>
-              <a:rPr sz="1600"/>
-              <a:t>- 技术无关</a:t>
-            </a:r>
-          </a:p>
-          <a:p>
-            <a:pPr algn="l"/>
-            <a:r>
-              <a:rPr sz="1600"/>
-              <a:t>- 独立开发、独立部署 子应用仓库独立</a:t>
-            </a:r>
-          </a:p>
-          <a:p>
-            <a:pPr algn="l"/>
-            <a:r>
-              <a:rPr sz="1600"/>
-              <a:t>- 独立运行时 每个子应用之间状态隔离，运行时状态不共享</a:t>
-            </a:r>
-          </a:p>
-          <a:p>
-            <a:pPr algn="l"/>
-            <a:endParaRPr sz="1600"/>
-          </a:p>
-          <a:p>
-            <a:pPr algn="l"/>
-            <a:r>
-              <a:rPr sz="1600"/>
-              <a:t>提示：可以尝试不同的技术方案。</a:t>
-            </a:r>
-          </a:p>
-          <a:p>
-            <a:pPr algn="l"/>
-            <a:endParaRPr sz="1600"/>
-          </a:p>
-          <a:p>
-            <a:pPr algn="l"/>
-            <a:r>
-              <a:rPr sz="1600"/>
-              <a:t>业务价值</a:t>
-            </a:r>
-          </a:p>
-          <a:p>
-            <a:pPr algn="l"/>
-            <a:endParaRPr sz="1600"/>
-          </a:p>
-          <a:p>
-            <a:pPr algn="l"/>
-            <a:r>
-              <a:rPr sz="1600"/>
-              <a:t>- 解构巨石应用</a:t>
-            </a:r>
-          </a:p>
-          <a:p>
-            <a:pPr algn="l"/>
-            <a:r>
-              <a:rPr sz="1600"/>
-              <a:t>- 团队协作方便</a:t>
-            </a:r>
-          </a:p>
-          <a:p>
-            <a:pPr algn="l"/>
-            <a:endParaRPr sz="1600"/>
-          </a:p>
-          <a:p>
-            <a:pPr algn="l"/>
-            <a:endParaRPr sz="1600"/>
+              <a:t>提示：MPA 满足微前端的要求，但是体验太差，SPA 体验好，但是不满足微前端要求，`所以，取个中`。</a:t>
+            </a:r>
           </a:p>
         </p:txBody>
       </p:sp>
@@ -7055,188 +7095,6 @@
       </p:grpSpPr>
       <p:sp>
         <p:nvSpPr>
-          <p:cNvPr id="10" name="矩形 9"/>
-          <p:cNvSpPr/>
-          <p:nvPr/>
-        </p:nvSpPr>
-        <p:spPr>
-          <a:xfrm>
-            <a:off x="4214567" y="3170955"/>
-            <a:ext cx="7658100" cy="282172"/>
-          </a:xfrm>
-          <a:prstGeom prst="rect">
-            <a:avLst/>
-          </a:prstGeom>
-          <a:solidFill>
-            <a:srgbClr val="65BA67"/>
-          </a:solidFill>
-          <a:ln>
-            <a:noFill/>
-          </a:ln>
-        </p:spPr>
-        <p:style>
-          <a:lnRef idx="2">
-            <a:schemeClr val="accent1">
-              <a:shade val="50000"/>
-            </a:schemeClr>
-          </a:lnRef>
-          <a:fillRef idx="1">
-            <a:schemeClr val="accent1"/>
-          </a:fillRef>
-          <a:effectRef idx="0">
-            <a:schemeClr val="accent1"/>
-          </a:effectRef>
-          <a:fontRef idx="minor">
-            <a:schemeClr val="lt1"/>
-          </a:fontRef>
-        </p:style>
-        <p:txBody>
-          <a:bodyPr rtlCol="0" anchor="ctr"/>
-          <a:lstStyle/>
-          <a:p>
-            <a:pPr algn="ctr"/>
-            <a:endParaRPr lang="zh-CN" altLang="en-US"/>
-          </a:p>
-        </p:txBody>
-      </p:sp>
-      <p:sp>
-        <p:nvSpPr>
-          <p:cNvPr id="13" name="Textfeld 29"/>
-          <p:cNvSpPr txBox="1"/>
-          <p:nvPr/>
-        </p:nvSpPr>
-        <p:spPr>
-          <a:xfrm>
-            <a:off x="5033417" y="2137831"/>
-            <a:ext cx="3913959" cy="1383665"/>
-          </a:xfrm>
-          <a:prstGeom prst="rect">
-            <a:avLst/>
-          </a:prstGeom>
-          <a:noFill/>
-        </p:spPr>
-        <p:txBody>
-          <a:bodyPr wrap="square" rtlCol="0">
-            <a:spAutoFit/>
-          </a:bodyPr>
-          <a:lstStyle/>
-          <a:p>
-            <a:pPr defTabSz="228600"/>
-            <a:r>
-              <a:rPr lang="zh-CN" altLang="en-US" sz="3200" b="1" dirty="0">
-                <a:latin typeface="Microsoft YaHei Bold" panose="020B0503020204020204" charset="-122"/>
-                <a:ea typeface="Microsoft YaHei Bold" panose="020B0503020204020204" charset="-122"/>
-                <a:cs typeface="Microsoft YaHei Bold" panose="020B0503020204020204" charset="-122"/>
-                <a:sym typeface="+mn-ea"/>
-              </a:rPr>
-              <a:t>原生解决方案</a:t>
-            </a:r>
-          </a:p>
-          <a:p>
-            <a:pPr defTabSz="228600"/>
-            <a:endParaRPr lang="zh-CN" altLang="en-US" sz="5200" b="1" dirty="0">
-              <a:latin typeface="微软雅黑" panose="020B0503020204020204" pitchFamily="34" charset="-122"/>
-              <a:ea typeface="微软雅黑" panose="020B0503020204020204" pitchFamily="34" charset="-122"/>
-              <a:cs typeface="+mn-ea"/>
-              <a:sym typeface="+mn-lt"/>
-            </a:endParaRPr>
-          </a:p>
-        </p:txBody>
-      </p:sp>
-      <p:sp>
-        <p:nvSpPr>
-          <p:cNvPr id="15" name="矩形 14"/>
-          <p:cNvSpPr/>
-          <p:nvPr/>
-        </p:nvSpPr>
-        <p:spPr>
-          <a:xfrm>
-            <a:off x="2068544" y="1356808"/>
-            <a:ext cx="1633804" cy="1628465"/>
-          </a:xfrm>
-          <a:prstGeom prst="rect">
-            <a:avLst/>
-          </a:prstGeom>
-          <a:solidFill>
-            <a:srgbClr val="5B318F"/>
-          </a:solidFill>
-          <a:ln>
-            <a:noFill/>
-          </a:ln>
-        </p:spPr>
-        <p:style>
-          <a:lnRef idx="2">
-            <a:schemeClr val="accent1">
-              <a:shade val="50000"/>
-            </a:schemeClr>
-          </a:lnRef>
-          <a:fillRef idx="1">
-            <a:schemeClr val="accent1"/>
-          </a:fillRef>
-          <a:effectRef idx="0">
-            <a:schemeClr val="accent1"/>
-          </a:effectRef>
-          <a:fontRef idx="minor">
-            <a:schemeClr val="lt1"/>
-          </a:fontRef>
-        </p:style>
-        <p:txBody>
-          <a:bodyPr rtlCol="0" anchor="ctr"/>
-          <a:lstStyle/>
-          <a:p>
-            <a:pPr algn="ctr"/>
-            <a:endParaRPr lang="zh-CN" altLang="en-US" dirty="0"/>
-          </a:p>
-        </p:txBody>
-      </p:sp>
-      <p:sp>
-        <p:nvSpPr>
-          <p:cNvPr id="9" name="矩形 8"/>
-          <p:cNvSpPr/>
-          <p:nvPr/>
-        </p:nvSpPr>
-        <p:spPr>
-          <a:xfrm>
-            <a:off x="2335700" y="1677861"/>
-            <a:ext cx="1767154" cy="1804354"/>
-          </a:xfrm>
-          <a:prstGeom prst="rect">
-            <a:avLst/>
-          </a:prstGeom>
-          <a:solidFill>
-            <a:srgbClr val="78BF72"/>
-          </a:solidFill>
-          <a:ln>
-            <a:noFill/>
-          </a:ln>
-        </p:spPr>
-        <p:style>
-          <a:lnRef idx="2">
-            <a:schemeClr val="accent1">
-              <a:shade val="50000"/>
-            </a:schemeClr>
-          </a:lnRef>
-          <a:fillRef idx="1">
-            <a:schemeClr val="accent1"/>
-          </a:fillRef>
-          <a:effectRef idx="0">
-            <a:schemeClr val="accent1"/>
-          </a:effectRef>
-          <a:fontRef idx="minor">
-            <a:schemeClr val="lt1"/>
-          </a:fontRef>
-        </p:style>
-        <p:txBody>
-          <a:bodyPr rtlCol="0" anchor="ctr"/>
-          <a:lstStyle/>
-          <a:p>
-            <a:pPr algn="ctr"/>
-            <a:endParaRPr lang="zh-CN" altLang="en-US"/>
-          </a:p>
-        </p:txBody>
-      </p:sp>
-      <p:sp>
-        <p:nvSpPr>
           <p:cNvPr id="16" name="文本框 15"/>
           <p:cNvSpPr txBox="1"/>
           <p:nvPr/>
@@ -7244,7 +7102,7 @@
         <p:spPr>
           <a:xfrm>
             <a:off x="2771351" y="2084803"/>
-            <a:ext cx="1036320" cy="1014730"/>
+            <a:ext cx="609600" cy="1014730"/>
           </a:xfrm>
           <a:prstGeom prst="rect">
             <a:avLst/>
@@ -7269,7 +7127,7 @@
                 </a:solidFill>
                 <a:latin typeface="Century Gothic" panose="020B0502020202020204" pitchFamily="34" charset="0"/>
               </a:rPr>
-              <a:t>12</a:t>
+              <a:t>1</a:t>
             </a:r>
           </a:p>
         </p:txBody>
@@ -7282,8 +7140,8 @@
         </p:nvSpPr>
         <p:spPr>
           <a:xfrm>
-            <a:off x="2131060" y="3592830"/>
-            <a:ext cx="9492615" cy="1753235"/>
+            <a:off x="1991995" y="1124585"/>
+            <a:ext cx="9492615" cy="5754370"/>
           </a:xfrm>
           <a:prstGeom prst="rect">
             <a:avLst/>
@@ -7298,48 +7156,122 @@
           <a:p>
             <a:pPr algn="l"/>
             <a:r>
-              <a:t>- MPA(多页应用程序):</a:t>
+              <a:rPr sz="1600"/>
+              <a:t> 核心价值</a:t>
             </a:r>
           </a:p>
           <a:p>
             <a:pPr algn="l"/>
-            <a:r>
-              <a:t>- Iframe:</a:t>
-            </a:r>
+            <a:endParaRPr sz="1600"/>
           </a:p>
           <a:p>
             <a:pPr algn="l"/>
             <a:r>
-              <a:t>- Web Component:</a:t>
-            </a:r>
-            <a:r>
-              <a:rPr lang="zh-CN"/>
-              <a:t>？</a:t>
+              <a:rPr sz="1600"/>
+              <a:t>1. 我认为微前端的核心价值在于 "技术栈无关"，这才是它诞生的理由，或者说这才是能说服我采用微前端方案的理由。 --qiankun 作者</a:t>
             </a:r>
           </a:p>
           <a:p>
             <a:pPr algn="l"/>
             <a:r>
-              <a:t>- ESM(ecmascript module):</a:t>
-            </a:r>
-            <a:r>
-              <a:rPr lang="zh-CN">
-                <a:sym typeface="+mn-ea"/>
-              </a:rPr>
-              <a:t>？</a:t>
+              <a:rPr sz="1600"/>
+              <a:t>2. 事实上如果所有的 web 技术栈能做到统一，所有 library 的升级都能做到向下兼容，我们确实就不需要微前端了。 --qiankun 作者</a:t>
             </a:r>
           </a:p>
           <a:p>
             <a:pPr algn="l"/>
-            <a:endParaRPr lang="zh-CN">
-              <a:sym typeface="+mn-ea"/>
-            </a:endParaRPr>
+            <a:endParaRPr sz="1600"/>
           </a:p>
           <a:p>
             <a:pPr algn="l"/>
             <a:r>
-              <a:t>提示：实现了微前端思想的方案即可称为微前端，殊途同归。</a:t>
-            </a:r>
+              <a:rPr sz="1600"/>
+              <a:t>提示：这里的关键字`兼容`，不同框架的兼容，框架不同版本的兼容。</a:t>
+            </a:r>
+          </a:p>
+          <a:p>
+            <a:pPr algn="l"/>
+            <a:endParaRPr sz="1600"/>
+          </a:p>
+          <a:p>
+            <a:pPr algn="l"/>
+            <a:r>
+              <a:rPr sz="1600"/>
+              <a:t> 技术价值</a:t>
+            </a:r>
+          </a:p>
+          <a:p>
+            <a:pPr algn="l"/>
+            <a:endParaRPr sz="1600"/>
+          </a:p>
+          <a:p>
+            <a:pPr algn="l"/>
+            <a:r>
+              <a:rPr sz="1600"/>
+              <a:t>- 技术无关</a:t>
+            </a:r>
+          </a:p>
+          <a:p>
+            <a:pPr algn="l"/>
+            <a:r>
+              <a:rPr sz="1600"/>
+              <a:t>- 独立开发、独立部署 子应用仓库独立</a:t>
+            </a:r>
+          </a:p>
+          <a:p>
+            <a:pPr algn="l"/>
+            <a:r>
+              <a:rPr sz="1600"/>
+              <a:t>- 独立运行时 每个子应用之间状态隔离，运行时状态不共享</a:t>
+            </a:r>
+          </a:p>
+          <a:p>
+            <a:pPr algn="l"/>
+            <a:endParaRPr sz="1600"/>
+          </a:p>
+          <a:p>
+            <a:pPr algn="l"/>
+            <a:r>
+              <a:rPr sz="1600"/>
+              <a:t>提示：可以尝试不同的技术方案。</a:t>
+            </a:r>
+          </a:p>
+          <a:p>
+            <a:pPr algn="l"/>
+            <a:endParaRPr sz="1600"/>
+          </a:p>
+          <a:p>
+            <a:pPr algn="l"/>
+            <a:r>
+              <a:rPr sz="1600"/>
+              <a:t>业务价值</a:t>
+            </a:r>
+          </a:p>
+          <a:p>
+            <a:pPr algn="l"/>
+            <a:endParaRPr sz="1600"/>
+          </a:p>
+          <a:p>
+            <a:pPr algn="l"/>
+            <a:r>
+              <a:rPr sz="1600"/>
+              <a:t>- 解构巨石应用</a:t>
+            </a:r>
+          </a:p>
+          <a:p>
+            <a:pPr algn="l"/>
+            <a:r>
+              <a:rPr sz="1600"/>
+              <a:t>- 团队协作方便</a:t>
+            </a:r>
+          </a:p>
+          <a:p>
+            <a:pPr algn="l"/>
+            <a:endParaRPr sz="1600"/>
+          </a:p>
+          <a:p>
+            <a:pPr algn="l"/>
+            <a:endParaRPr sz="1600"/>
           </a:p>
         </p:txBody>
       </p:sp>
@@ -7423,7 +7355,7 @@
         <p:spPr>
           <a:xfrm>
             <a:off x="5033417" y="2137831"/>
-            <a:ext cx="3913959" cy="583565"/>
+            <a:ext cx="3913959" cy="1383665"/>
           </a:xfrm>
           <a:prstGeom prst="rect">
             <a:avLst/>
@@ -7437,15 +7369,6 @@
           <a:lstStyle/>
           <a:p>
             <a:pPr defTabSz="228600"/>
-            <a:r>
-              <a:rPr lang="en-US" altLang="zh-CN" sz="3200" b="1" dirty="0">
-                <a:latin typeface="Microsoft YaHei Bold" panose="020B0503020204020204" charset="-122"/>
-                <a:ea typeface="Microsoft YaHei Bold" panose="020B0503020204020204" charset="-122"/>
-                <a:cs typeface="Microsoft YaHei Bold" panose="020B0503020204020204" charset="-122"/>
-                <a:sym typeface="+mn-ea"/>
-              </a:rPr>
-              <a:t>Single-spa</a:t>
-            </a:r>
             <a:r>
               <a:rPr lang="zh-CN" altLang="en-US" sz="3200" b="1" dirty="0">
                 <a:latin typeface="Microsoft YaHei Bold" panose="020B0503020204020204" charset="-122"/>
@@ -7453,13 +7376,16 @@
                 <a:cs typeface="Microsoft YaHei Bold" panose="020B0503020204020204" charset="-122"/>
                 <a:sym typeface="+mn-ea"/>
               </a:rPr>
-              <a:t>介绍</a:t>
-            </a:r>
-            <a:endParaRPr lang="en-US" altLang="zh-CN" sz="3200" b="1" dirty="0">
-              <a:latin typeface="Microsoft YaHei Bold" panose="020B0503020204020204" charset="-122"/>
-              <a:ea typeface="Microsoft YaHei Bold" panose="020B0503020204020204" charset="-122"/>
-              <a:cs typeface="Microsoft YaHei Bold" panose="020B0503020204020204" charset="-122"/>
-              <a:sym typeface="+mn-ea"/>
+              <a:t>原生解决方案</a:t>
+            </a:r>
+          </a:p>
+          <a:p>
+            <a:pPr defTabSz="228600"/>
+            <a:endParaRPr lang="zh-CN" altLang="en-US" sz="5200" b="1" dirty="0">
+              <a:latin typeface="微软雅黑" panose="020B0503020204020204" pitchFamily="34" charset="-122"/>
+              <a:ea typeface="微软雅黑" panose="020B0503020204020204" pitchFamily="34" charset="-122"/>
+              <a:cs typeface="+mn-ea"/>
+              <a:sym typeface="+mn-lt"/>
             </a:endParaRPr>
           </a:p>
         </p:txBody>
@@ -7590,21 +7516,21 @@
                 </a:solidFill>
                 <a:latin typeface="Century Gothic" panose="020B0502020202020204" pitchFamily="34" charset="0"/>
               </a:rPr>
-              <a:t>13</a:t>
-            </a:r>
-          </a:p>
-        </p:txBody>
-      </p:sp>
-      <p:sp>
-        <p:nvSpPr>
-          <p:cNvPr id="2" name="文本框 1"/>
+              <a:t>12</a:t>
+            </a:r>
+          </a:p>
+        </p:txBody>
+      </p:sp>
+      <p:sp>
+        <p:nvSpPr>
+          <p:cNvPr id="3" name="文本框 2"/>
           <p:cNvSpPr txBox="1"/>
           <p:nvPr/>
         </p:nvSpPr>
         <p:spPr>
           <a:xfrm>
-            <a:off x="2096468" y="3645024"/>
-            <a:ext cx="9571785" cy="2862322"/>
+            <a:off x="2131060" y="3592830"/>
+            <a:ext cx="9492615" cy="1753235"/>
           </a:xfrm>
           <a:prstGeom prst="rect">
             <a:avLst/>
@@ -7617,104 +7543,50 @@
           </a:bodyPr>
           <a:lstStyle/>
           <a:p>
-            <a:r>
-              <a:rPr lang="en-US" altLang="zh-CN" dirty="0"/>
-              <a:t>Single-spa </a:t>
-            </a:r>
-            <a:r>
-              <a:rPr lang="zh-CN" altLang="en-US" dirty="0"/>
-              <a:t>是一个将多个单页面应用聚合为一个整体应用的 </a:t>
-            </a:r>
-            <a:r>
-              <a:rPr lang="en-US" altLang="zh-CN" dirty="0"/>
-              <a:t>JavaScript </a:t>
-            </a:r>
-            <a:r>
-              <a:rPr lang="zh-CN" altLang="en-US" dirty="0"/>
-              <a:t>微前端框架。核心就是定义了一套协议。协议包含主应用的配置信息</a:t>
-            </a:r>
-            <a:r>
-              <a:rPr lang="en-US" altLang="zh-CN" dirty="0"/>
-              <a:t>(</a:t>
-            </a:r>
-            <a:r>
-              <a:rPr lang="zh-CN" altLang="en-US" dirty="0"/>
-              <a:t>注册子应用</a:t>
-            </a:r>
-            <a:r>
-              <a:rPr lang="en-US" altLang="zh-CN" dirty="0"/>
-              <a:t>)</a:t>
-            </a:r>
-            <a:r>
-              <a:rPr lang="zh-CN" altLang="en-US" dirty="0"/>
-              <a:t>和子应用的生命周期</a:t>
-            </a:r>
-            <a:r>
-              <a:rPr lang="en-US" altLang="zh-CN" dirty="0"/>
-              <a:t>(</a:t>
-            </a:r>
-            <a:r>
-              <a:rPr lang="zh-CN" altLang="en-US" dirty="0"/>
-              <a:t>启动，安装，卸载</a:t>
-            </a:r>
-            <a:r>
-              <a:rPr lang="en-US" altLang="zh-CN" dirty="0"/>
-              <a:t>)</a:t>
-            </a:r>
-            <a:r>
-              <a:rPr lang="zh-CN" altLang="en-US" dirty="0"/>
-              <a:t>，通过这套协议，主应用可以方便的知道在什么情况下（路由匹配）激活哪个子应用。</a:t>
-            </a:r>
-            <a:endParaRPr lang="en-US" altLang="zh-CN" dirty="0"/>
-          </a:p>
-          <a:p>
-            <a:endParaRPr lang="en-US" altLang="zh-CN" dirty="0"/>
-          </a:p>
-          <a:p>
-            <a:r>
-              <a:rPr lang="zh-CN" altLang="en-US" dirty="0"/>
-              <a:t>提示：只能是单页应用，这取决于 </a:t>
-            </a:r>
-            <a:r>
-              <a:rPr lang="en-US" altLang="zh-CN" dirty="0"/>
-              <a:t>Single-spa </a:t>
-            </a:r>
-            <a:r>
-              <a:rPr lang="zh-CN" altLang="en-US" dirty="0"/>
-              <a:t>加载子应用的方式为 </a:t>
-            </a:r>
-            <a:r>
-              <a:rPr lang="en-US" altLang="zh-CN" dirty="0" err="1"/>
-              <a:t>js</a:t>
-            </a:r>
-            <a:r>
-              <a:rPr lang="en-US" altLang="zh-CN" dirty="0"/>
-              <a:t> </a:t>
-            </a:r>
-            <a:r>
-              <a:rPr lang="zh-CN" altLang="en-US" dirty="0"/>
-              <a:t>模块作为入口的。</a:t>
-            </a:r>
-          </a:p>
-          <a:p>
-            <a:endParaRPr lang="en-US" altLang="zh-CN" dirty="0"/>
-          </a:p>
-          <a:p>
-            <a:r>
-              <a:rPr lang="zh-CN" altLang="en-US" dirty="0"/>
-              <a:t>由此可见，</a:t>
-            </a:r>
-            <a:r>
-              <a:rPr lang="en-US" altLang="zh-CN" dirty="0"/>
-              <a:t>Single-spa </a:t>
-            </a:r>
-            <a:r>
-              <a:rPr lang="zh-CN" altLang="en-US" dirty="0"/>
-              <a:t>并不参与子应用的任何流程，主要是根据路由匹配情况来管理子应用的安装，卸载。</a:t>
-            </a:r>
-          </a:p>
-          <a:p>
-            <a:endParaRPr lang="zh-CN" altLang="en-US" dirty="0"/>
+            <a:pPr algn="l"/>
+            <a:r>
+              <a:t>- MPA(多页应用程序):</a:t>
+            </a:r>
+          </a:p>
+          <a:p>
+            <a:pPr algn="l"/>
+            <a:r>
+              <a:t>- Iframe:</a:t>
+            </a:r>
+          </a:p>
+          <a:p>
+            <a:pPr algn="l"/>
+            <a:r>
+              <a:t>- Web Component:</a:t>
+            </a:r>
+            <a:r>
+              <a:rPr lang="zh-CN"/>
+              <a:t>？</a:t>
+            </a:r>
+          </a:p>
+          <a:p>
+            <a:pPr algn="l"/>
+            <a:r>
+              <a:t>- ESM(ecmascript module):</a:t>
+            </a:r>
+            <a:r>
+              <a:rPr lang="zh-CN">
+                <a:sym typeface="+mn-ea"/>
+              </a:rPr>
+              <a:t>？</a:t>
+            </a:r>
+          </a:p>
+          <a:p>
+            <a:pPr algn="l"/>
+            <a:endParaRPr lang="zh-CN">
+              <a:sym typeface="+mn-ea"/>
+            </a:endParaRPr>
+          </a:p>
+          <a:p>
+            <a:pPr algn="l"/>
+            <a:r>
+              <a:t>提示：实现了微前端思想的方案即可称为微前端，殊途同归。</a:t>
+            </a:r>
           </a:p>
         </p:txBody>
       </p:sp>
@@ -7798,7 +7670,7 @@
         <p:spPr>
           <a:xfrm>
             <a:off x="5033417" y="2137831"/>
-            <a:ext cx="4518967" cy="584775"/>
+            <a:ext cx="3913959" cy="583565"/>
           </a:xfrm>
           <a:prstGeom prst="rect">
             <a:avLst/>
@@ -7828,8 +7700,14 @@
                 <a:cs typeface="Microsoft YaHei Bold" panose="020B0503020204020204" charset="-122"/>
                 <a:sym typeface="+mn-ea"/>
               </a:rPr>
-              <a:t>基本使用</a:t>
-            </a:r>
+              <a:t>介绍</a:t>
+            </a:r>
+            <a:endParaRPr lang="en-US" altLang="zh-CN" sz="3200" b="1" dirty="0">
+              <a:latin typeface="Microsoft YaHei Bold" panose="020B0503020204020204" charset="-122"/>
+              <a:ea typeface="Microsoft YaHei Bold" panose="020B0503020204020204" charset="-122"/>
+              <a:cs typeface="Microsoft YaHei Bold" panose="020B0503020204020204" charset="-122"/>
+              <a:sym typeface="+mn-ea"/>
+            </a:endParaRPr>
           </a:p>
         </p:txBody>
       </p:sp>
@@ -7959,27 +7837,21 @@
                 </a:solidFill>
                 <a:latin typeface="Century Gothic" panose="020B0502020202020204" pitchFamily="34" charset="0"/>
               </a:rPr>
-              <a:t>14</a:t>
-            </a:r>
-          </a:p>
-        </p:txBody>
-      </p:sp>
-      <p:sp>
-        <p:nvSpPr>
-          <p:cNvPr id="3" name="文本框 2">
-            <a:extLst>
-              <a:ext uri="{FF2B5EF4-FFF2-40B4-BE49-F238E27FC236}">
-                <a16:creationId xmlns:a16="http://schemas.microsoft.com/office/drawing/2014/main" id="{15CE0E11-9808-4949-AEF6-6CB51ACEF663}"/>
-              </a:ext>
-            </a:extLst>
-          </p:cNvPr>
+              <a:t>13</a:t>
+            </a:r>
+          </a:p>
+        </p:txBody>
+      </p:sp>
+      <p:sp>
+        <p:nvSpPr>
+          <p:cNvPr id="2" name="文本框 1"/>
           <p:cNvSpPr txBox="1"/>
           <p:nvPr/>
         </p:nvSpPr>
         <p:spPr>
           <a:xfrm>
-            <a:off x="2567608" y="4293096"/>
-            <a:ext cx="1107996" cy="646331"/>
+            <a:off x="2096468" y="3645024"/>
+            <a:ext cx="9571785" cy="2862322"/>
           </a:xfrm>
           <a:prstGeom prst="rect">
             <a:avLst/>
@@ -7987,14 +7859,105 @@
           <a:noFill/>
         </p:spPr>
         <p:txBody>
-          <a:bodyPr wrap="none" rtlCol="0">
+          <a:bodyPr wrap="square" rtlCol="0">
             <a:spAutoFit/>
           </a:bodyPr>
           <a:lstStyle/>
           <a:p>
             <a:r>
+              <a:rPr lang="en-US" altLang="zh-CN" dirty="0"/>
+              <a:t>Single-spa </a:t>
+            </a:r>
+            <a:r>
               <a:rPr lang="zh-CN" altLang="en-US" dirty="0"/>
-              <a:t>参看代码</a:t>
+              <a:t>是一个将多个单页面应用聚合为一个整体应用的 </a:t>
+            </a:r>
+            <a:r>
+              <a:rPr lang="en-US" altLang="zh-CN" dirty="0"/>
+              <a:t>JavaScript </a:t>
+            </a:r>
+            <a:r>
+              <a:rPr lang="zh-CN" altLang="en-US" dirty="0"/>
+              <a:t>微前端框架。核心就是定义了一套协议。协议包含主应用的配置信息</a:t>
+            </a:r>
+            <a:r>
+              <a:rPr lang="en-US" altLang="zh-CN" dirty="0"/>
+              <a:t>(</a:t>
+            </a:r>
+            <a:r>
+              <a:rPr lang="zh-CN" altLang="en-US" dirty="0"/>
+              <a:t>注册子应用</a:t>
+            </a:r>
+            <a:r>
+              <a:rPr lang="en-US" altLang="zh-CN" dirty="0"/>
+              <a:t>)</a:t>
+            </a:r>
+            <a:r>
+              <a:rPr lang="zh-CN" altLang="en-US" dirty="0"/>
+              <a:t>和子应用的生命周期</a:t>
+            </a:r>
+            <a:r>
+              <a:rPr lang="en-US" altLang="zh-CN" dirty="0"/>
+              <a:t>(</a:t>
+            </a:r>
+            <a:r>
+              <a:rPr lang="zh-CN" altLang="en-US" dirty="0"/>
+              <a:t>启动，安装，卸载</a:t>
+            </a:r>
+            <a:r>
+              <a:rPr lang="en-US" altLang="zh-CN" dirty="0"/>
+              <a:t>)</a:t>
+            </a:r>
+            <a:r>
+              <a:rPr lang="zh-CN" altLang="en-US" dirty="0"/>
+              <a:t>，通过这套协议，主应用可以方便的知道在什么情况下（路由匹配）激活哪个子应用。</a:t>
+            </a:r>
+            <a:endParaRPr lang="en-US" altLang="zh-CN" dirty="0"/>
+          </a:p>
+          <a:p>
+            <a:endParaRPr lang="en-US" altLang="zh-CN" dirty="0"/>
+          </a:p>
+          <a:p>
+            <a:r>
+              <a:rPr lang="zh-CN" altLang="en-US" dirty="0"/>
+              <a:t>提示：只能是单页应用，这取决于 </a:t>
+            </a:r>
+            <a:r>
+              <a:rPr lang="en-US" altLang="zh-CN" dirty="0"/>
+              <a:t>Single-spa </a:t>
+            </a:r>
+            <a:r>
+              <a:rPr lang="zh-CN" altLang="en-US" dirty="0"/>
+              <a:t>加载子应用的方式为 </a:t>
+            </a:r>
+            <a:r>
+              <a:rPr lang="en-US" altLang="zh-CN" dirty="0" err="1"/>
+              <a:t>js</a:t>
+            </a:r>
+            <a:r>
+              <a:rPr lang="en-US" altLang="zh-CN" dirty="0"/>
+              <a:t> </a:t>
+            </a:r>
+            <a:r>
+              <a:rPr lang="zh-CN" altLang="en-US" dirty="0"/>
+              <a:t>模块作为入口的。</a:t>
+            </a:r>
+          </a:p>
+          <a:p>
+            <a:endParaRPr lang="en-US" altLang="zh-CN" dirty="0"/>
+          </a:p>
+          <a:p>
+            <a:r>
+              <a:rPr lang="zh-CN" altLang="en-US" dirty="0"/>
+              <a:t>由此可见，</a:t>
+            </a:r>
+            <a:r>
+              <a:rPr lang="en-US" altLang="zh-CN" dirty="0"/>
+              <a:t>Single-spa </a:t>
+            </a:r>
+            <a:r>
+              <a:rPr lang="zh-CN" altLang="en-US" dirty="0"/>
+              <a:t>并不参与子应用的任何流程，主要是根据路由匹配情况来管理子应用的安装，卸载。</a:t>
             </a:r>
           </a:p>
           <a:p>
@@ -8112,7 +8075,7 @@
                 <a:cs typeface="Microsoft YaHei Bold" panose="020B0503020204020204" charset="-122"/>
                 <a:sym typeface="+mn-ea"/>
               </a:rPr>
-              <a:t>运行机制</a:t>
+              <a:t>基本使用</a:t>
             </a:r>
           </a:p>
         </p:txBody>
@@ -8263,7 +8226,7 @@
         <p:spPr>
           <a:xfrm>
             <a:off x="2567608" y="4293096"/>
-            <a:ext cx="8928992" cy="1200329"/>
+            <a:ext cx="1107996" cy="646331"/>
           </a:xfrm>
           <a:prstGeom prst="rect">
             <a:avLst/>
@@ -8271,36 +8234,22 @@
           <a:noFill/>
         </p:spPr>
         <p:txBody>
-          <a:bodyPr wrap="square" rtlCol="0">
+          <a:bodyPr wrap="none" rtlCol="0">
             <a:spAutoFit/>
           </a:bodyPr>
           <a:lstStyle/>
           <a:p>
             <a:r>
               <a:rPr lang="zh-CN" altLang="en-US" dirty="0"/>
-              <a:t>参看博客</a:t>
-            </a:r>
-            <a:r>
-              <a:rPr lang="en-US" altLang="zh-CN" dirty="0"/>
-              <a:t>:[https://boswellji.github.io/MyBlog/Microfrontend/single-spa.html#%E8%BF%90%E8%A1%8C%E6%9C%BA%E5%88%B6](</a:t>
-            </a:r>
-            <a:r>
-              <a:rPr lang="en-US" altLang="zh-CN" u="sng" dirty="0"/>
-              <a:t>https://boswellji.github.io/MyBlog/Microfrontend/single-spa.html#%E8%BF%90%E8%A1%8C%E6%9C%BA%E5%88%B6</a:t>
-            </a:r>
-            <a:r>
-              <a:rPr lang="en-US" altLang="zh-CN" dirty="0"/>
-              <a:t>)</a:t>
-            </a:r>
+              <a:t>参看代码</a:t>
+            </a:r>
+          </a:p>
+          <a:p>
+            <a:endParaRPr lang="zh-CN" altLang="en-US" dirty="0"/>
           </a:p>
         </p:txBody>
       </p:sp>
     </p:spTree>
-    <p:extLst>
-      <p:ext uri="{BB962C8B-B14F-4D97-AF65-F5344CB8AC3E}">
-        <p14:creationId xmlns:p14="http://schemas.microsoft.com/office/powerpoint/2010/main" val="1477366625"/>
-      </p:ext>
-    </p:extLst>
   </p:cSld>
   <p:clrMapOvr>
     <a:masterClrMapping/>
@@ -8380,7 +8329,7 @@
         <p:spPr>
           <a:xfrm>
             <a:off x="5033417" y="2137831"/>
-            <a:ext cx="3913959" cy="583565"/>
+            <a:ext cx="4518967" cy="584775"/>
           </a:xfrm>
           <a:prstGeom prst="rect">
             <a:avLst/>
@@ -8410,7 +8359,7 @@
                 <a:cs typeface="Microsoft YaHei Bold" panose="020B0503020204020204" charset="-122"/>
                 <a:sym typeface="+mn-ea"/>
               </a:rPr>
-              <a:t>缺点</a:t>
+              <a:t>运行机制</a:t>
             </a:r>
           </a:p>
         </p:txBody>
@@ -8541,21 +8490,27 @@
                 </a:solidFill>
                 <a:latin typeface="Century Gothic" panose="020B0502020202020204" pitchFamily="34" charset="0"/>
               </a:rPr>
-              <a:t>15</a:t>
-            </a:r>
-          </a:p>
-        </p:txBody>
-      </p:sp>
-      <p:sp>
-        <p:nvSpPr>
-          <p:cNvPr id="2" name="文本框 1"/>
+              <a:t>14</a:t>
+            </a:r>
+          </a:p>
+        </p:txBody>
+      </p:sp>
+      <p:sp>
+        <p:nvSpPr>
+          <p:cNvPr id="3" name="文本框 2">
+            <a:extLst>
+              <a:ext uri="{FF2B5EF4-FFF2-40B4-BE49-F238E27FC236}">
+                <a16:creationId xmlns:a16="http://schemas.microsoft.com/office/drawing/2014/main" id="{15CE0E11-9808-4949-AEF6-6CB51ACEF663}"/>
+              </a:ext>
+            </a:extLst>
+          </p:cNvPr>
           <p:cNvSpPr txBox="1"/>
           <p:nvPr/>
         </p:nvSpPr>
         <p:spPr>
           <a:xfrm>
-            <a:off x="2026285" y="4096385"/>
-            <a:ext cx="9653905" cy="922020"/>
+            <a:off x="2567608" y="4293096"/>
+            <a:ext cx="8928992" cy="1200329"/>
           </a:xfrm>
           <a:prstGeom prst="rect">
             <a:avLst/>
@@ -8568,34 +8523,31 @@
           </a:bodyPr>
           <a:lstStyle/>
           <a:p>
-            <a:pPr algn="l"/>
-            <a:r>
-              <a:rPr lang="en-US" altLang="zh-CN"/>
-              <a:t>1. </a:t>
-            </a:r>
-            <a:r>
-              <a:rPr lang="zh-CN" altLang="en-US"/>
-              <a:t>single-spa是通过js文件去加载子应用。</a:t>
-            </a:r>
-          </a:p>
-          <a:p>
-            <a:pPr algn="l"/>
-            <a:endParaRPr lang="zh-CN" altLang="en-US"/>
-          </a:p>
-          <a:p>
-            <a:pPr algn="l"/>
-            <a:r>
-              <a:rPr lang="en-US" altLang="zh-CN"/>
-              <a:t>2. </a:t>
-            </a:r>
-            <a:r>
-              <a:rPr lang="zh-CN" altLang="en-US"/>
-              <a:t>single-spa本身缺少js隔离和css隔离。</a:t>
+            <a:r>
+              <a:rPr lang="zh-CN" altLang="en-US" dirty="0"/>
+              <a:t>参看博客</a:t>
+            </a:r>
+            <a:r>
+              <a:rPr lang="en-US" altLang="zh-CN" dirty="0"/>
+              <a:t>:[https://boswellji.github.io/MyBlog/Microfrontend/single-spa.html#%E8%BF%90%E8%A1%8C%E6%9C%BA%E5%88%B6](</a:t>
+            </a:r>
+            <a:r>
+              <a:rPr lang="en-US" altLang="zh-CN" u="sng" dirty="0"/>
+              <a:t>https://boswellji.github.io/MyBlog/Microfrontend/single-spa.html#%E8%BF%90%E8%A1%8C%E6%9C%BA%E5%88%B6</a:t>
+            </a:r>
+            <a:r>
+              <a:rPr lang="en-US" altLang="zh-CN" dirty="0"/>
+              <a:t>)</a:t>
             </a:r>
           </a:p>
         </p:txBody>
       </p:sp>
     </p:spTree>
+    <p:extLst>
+      <p:ext uri="{BB962C8B-B14F-4D97-AF65-F5344CB8AC3E}">
+        <p14:creationId xmlns:p14="http://schemas.microsoft.com/office/powerpoint/2010/main" val="1477366625"/>
+      </p:ext>
+    </p:extLst>
   </p:cSld>
   <p:clrMapOvr>
     <a:masterClrMapping/>
@@ -10051,7 +10003,7 @@
                 <a:cs typeface="Microsoft YaHei Bold" panose="020B0503020204020204" charset="-122"/>
                 <a:sym typeface="+mn-ea"/>
               </a:rPr>
-              <a:t>qiankun(</a:t>
+              <a:t>Single-spa</a:t>
             </a:r>
             <a:r>
               <a:rPr lang="zh-CN" altLang="en-US" sz="3200" b="1" dirty="0">
@@ -10060,16 +10012,7 @@
                 <a:cs typeface="Microsoft YaHei Bold" panose="020B0503020204020204" charset="-122"/>
                 <a:sym typeface="+mn-ea"/>
               </a:rPr>
-              <a:t>乾坤</a:t>
-            </a:r>
-            <a:r>
-              <a:rPr lang="en-US" altLang="zh-CN" sz="3200" b="1" dirty="0">
-                <a:latin typeface="Microsoft YaHei Bold" panose="020B0503020204020204" charset="-122"/>
-                <a:ea typeface="Microsoft YaHei Bold" panose="020B0503020204020204" charset="-122"/>
-                <a:cs typeface="Microsoft YaHei Bold" panose="020B0503020204020204" charset="-122"/>
-                <a:sym typeface="+mn-ea"/>
-              </a:rPr>
-              <a:t>)</a:t>
+              <a:t>缺点</a:t>
             </a:r>
           </a:p>
         </p:txBody>
@@ -10200,7 +10143,7 @@
                 </a:solidFill>
                 <a:latin typeface="Century Gothic" panose="020B0502020202020204" pitchFamily="34" charset="0"/>
               </a:rPr>
-              <a:t>16</a:t>
+              <a:t>15</a:t>
             </a:r>
           </a:p>
         </p:txBody>
@@ -10213,8 +10156,8 @@
         </p:nvSpPr>
         <p:spPr>
           <a:xfrm>
-            <a:off x="2025301" y="4096385"/>
-            <a:ext cx="9653905" cy="646331"/>
+            <a:off x="2026285" y="4096385"/>
+            <a:ext cx="9653905" cy="922020"/>
           </a:xfrm>
           <a:prstGeom prst="rect">
             <a:avLst/>
@@ -10227,49 +10170,29 @@
           </a:bodyPr>
           <a:lstStyle/>
           <a:p>
-            <a:r>
-              <a:rPr lang="en-US" altLang="zh-CN" dirty="0" err="1"/>
-              <a:t>qiankun</a:t>
-            </a:r>
-            <a:r>
-              <a:rPr lang="en-US" altLang="zh-CN" dirty="0"/>
-              <a:t> </a:t>
-            </a:r>
-            <a:r>
-              <a:rPr lang="zh-CN" altLang="en-US" dirty="0"/>
-              <a:t>是基于 </a:t>
-            </a:r>
-            <a:r>
-              <a:rPr lang="en-US" altLang="zh-CN" dirty="0"/>
-              <a:t>single-spa </a:t>
-            </a:r>
-            <a:r>
-              <a:rPr lang="zh-CN" altLang="en-US" dirty="0"/>
-              <a:t>提出的微前端框架</a:t>
-            </a:r>
-            <a:r>
-              <a:rPr lang="en-US" altLang="zh-CN" dirty="0"/>
-              <a:t>, </a:t>
-            </a:r>
-            <a:r>
-              <a:rPr lang="zh-CN" altLang="en-US" dirty="0"/>
-              <a:t>提供了更加开箱即用的 </a:t>
-            </a:r>
-            <a:r>
-              <a:rPr lang="en-US" altLang="zh-CN" dirty="0"/>
-              <a:t>API</a:t>
-            </a:r>
-            <a:r>
-              <a:rPr lang="zh-CN" altLang="en-US" dirty="0"/>
-              <a:t>（</a:t>
-            </a:r>
-            <a:r>
-              <a:rPr lang="en-US" altLang="zh-CN" dirty="0" err="1"/>
-              <a:t>single-spa+sandbox+import-html-entry</a:t>
-            </a:r>
-            <a:r>
-              <a:rPr lang="zh-CN" altLang="en-US" dirty="0"/>
-              <a:t>）。</a:t>
+            <a:pPr algn="l"/>
+            <a:r>
+              <a:rPr lang="en-US" altLang="zh-CN"/>
+              <a:t>1. </a:t>
+            </a:r>
+            <a:r>
+              <a:rPr lang="zh-CN" altLang="en-US"/>
+              <a:t>single-spa是通过js文件去加载子应用。</a:t>
+            </a:r>
+          </a:p>
+          <a:p>
+            <a:pPr algn="l"/>
+            <a:endParaRPr lang="zh-CN" altLang="en-US"/>
+          </a:p>
+          <a:p>
+            <a:pPr algn="l"/>
+            <a:r>
+              <a:rPr lang="en-US" altLang="zh-CN"/>
+              <a:t>2. </a:t>
+            </a:r>
+            <a:r>
+              <a:rPr lang="zh-CN" altLang="en-US"/>
+              <a:t>single-spa本身缺少js隔离和css隔离。</a:t>
             </a:r>
           </a:p>
         </p:txBody>
@@ -10369,13 +10292,13 @@
           <a:p>
             <a:pPr defTabSz="228600"/>
             <a:r>
-              <a:rPr lang="en-US" altLang="zh-CN" sz="3200" b="1" dirty="0" err="1">
+              <a:rPr lang="en-US" altLang="zh-CN" sz="3200" b="1" dirty="0">
                 <a:latin typeface="Microsoft YaHei Bold" panose="020B0503020204020204" charset="-122"/>
                 <a:ea typeface="Microsoft YaHei Bold" panose="020B0503020204020204" charset="-122"/>
                 <a:cs typeface="Microsoft YaHei Bold" panose="020B0503020204020204" charset="-122"/>
                 <a:sym typeface="+mn-ea"/>
               </a:rPr>
-              <a:t>qiankun</a:t>
+              <a:t>qiankun(</a:t>
             </a:r>
             <a:r>
               <a:rPr lang="zh-CN" altLang="en-US" sz="3200" b="1" dirty="0">
@@ -10384,7 +10307,16 @@
                 <a:cs typeface="Microsoft YaHei Bold" panose="020B0503020204020204" charset="-122"/>
                 <a:sym typeface="+mn-ea"/>
               </a:rPr>
-              <a:t>基本用法</a:t>
+              <a:t>乾坤</a:t>
+            </a:r>
+            <a:r>
+              <a:rPr lang="en-US" altLang="zh-CN" sz="3200" b="1" dirty="0">
+                <a:latin typeface="Microsoft YaHei Bold" panose="020B0503020204020204" charset="-122"/>
+                <a:ea typeface="Microsoft YaHei Bold" panose="020B0503020204020204" charset="-122"/>
+                <a:cs typeface="Microsoft YaHei Bold" panose="020B0503020204020204" charset="-122"/>
+                <a:sym typeface="+mn-ea"/>
+              </a:rPr>
+              <a:t>)</a:t>
             </a:r>
           </a:p>
         </p:txBody>
@@ -10522,20 +10454,14 @@
       </p:sp>
       <p:sp>
         <p:nvSpPr>
-          <p:cNvPr id="2" name="文本框 1">
-            <a:extLst>
-              <a:ext uri="{FF2B5EF4-FFF2-40B4-BE49-F238E27FC236}">
-                <a16:creationId xmlns:a16="http://schemas.microsoft.com/office/drawing/2014/main" id="{597D287E-0667-4183-8181-145B6D0B3EFC}"/>
-              </a:ext>
-            </a:extLst>
-          </p:cNvPr>
+          <p:cNvPr id="2" name="文本框 1"/>
           <p:cNvSpPr txBox="1"/>
           <p:nvPr/>
         </p:nvSpPr>
         <p:spPr>
           <a:xfrm>
-            <a:off x="3071664" y="4653136"/>
-            <a:ext cx="1107996" cy="646331"/>
+            <a:off x="2025301" y="4096385"/>
+            <a:ext cx="9653905" cy="646331"/>
           </a:xfrm>
           <a:prstGeom prst="rect">
             <a:avLst/>
@@ -10543,27 +10469,59 @@
           <a:noFill/>
         </p:spPr>
         <p:txBody>
-          <a:bodyPr wrap="none" rtlCol="0">
+          <a:bodyPr wrap="square" rtlCol="0">
             <a:spAutoFit/>
           </a:bodyPr>
           <a:lstStyle/>
           <a:p>
             <a:r>
+              <a:rPr lang="en-US" altLang="zh-CN" dirty="0" err="1"/>
+              <a:t>qiankun</a:t>
+            </a:r>
+            <a:r>
+              <a:rPr lang="en-US" altLang="zh-CN" dirty="0"/>
+              <a:t> </a:t>
+            </a:r>
+            <a:r>
               <a:rPr lang="zh-CN" altLang="en-US" dirty="0"/>
-              <a:t>参看代码</a:t>
-            </a:r>
-          </a:p>
-          <a:p>
-            <a:endParaRPr lang="zh-CN" altLang="en-US" dirty="0"/>
+              <a:t>是基于 </a:t>
+            </a:r>
+            <a:r>
+              <a:rPr lang="en-US" altLang="zh-CN" dirty="0"/>
+              <a:t>single-spa </a:t>
+            </a:r>
+            <a:r>
+              <a:rPr lang="zh-CN" altLang="en-US" dirty="0"/>
+              <a:t>提出的微前端框架</a:t>
+            </a:r>
+            <a:r>
+              <a:rPr lang="en-US" altLang="zh-CN" dirty="0"/>
+              <a:t>, </a:t>
+            </a:r>
+            <a:r>
+              <a:rPr lang="zh-CN" altLang="en-US" dirty="0"/>
+              <a:t>提供了更加开箱即用的 </a:t>
+            </a:r>
+            <a:r>
+              <a:rPr lang="en-US" altLang="zh-CN" dirty="0"/>
+              <a:t>API</a:t>
+            </a:r>
+            <a:r>
+              <a:rPr lang="zh-CN" altLang="en-US" dirty="0"/>
+              <a:t>（</a:t>
+            </a:r>
+            <a:r>
+              <a:rPr lang="en-US" altLang="zh-CN" dirty="0" err="1"/>
+              <a:t>single-spa+sandbox+import-html-entry</a:t>
+            </a:r>
+            <a:r>
+              <a:rPr lang="zh-CN" altLang="en-US" dirty="0"/>
+              <a:t>）。</a:t>
+            </a:r>
           </a:p>
         </p:txBody>
       </p:sp>
     </p:spTree>
-    <p:extLst>
-      <p:ext uri="{BB962C8B-B14F-4D97-AF65-F5344CB8AC3E}">
-        <p14:creationId xmlns:p14="http://schemas.microsoft.com/office/powerpoint/2010/main" val="3905029836"/>
-      </p:ext>
-    </p:extLst>
   </p:cSld>
   <p:clrMapOvr>
     <a:masterClrMapping/>
@@ -10658,7 +10616,7 @@
           <a:p>
             <a:pPr defTabSz="228600"/>
             <a:r>
-              <a:rPr lang="en-US" altLang="zh-CN" sz="3200" b="1" dirty="0">
+              <a:rPr lang="en-US" altLang="zh-CN" sz="3200" b="1" dirty="0" err="1">
                 <a:latin typeface="Microsoft YaHei Bold" panose="020B0503020204020204" charset="-122"/>
                 <a:ea typeface="Microsoft YaHei Bold" panose="020B0503020204020204" charset="-122"/>
                 <a:cs typeface="Microsoft YaHei Bold" panose="020B0503020204020204" charset="-122"/>
@@ -10673,7 +10631,7 @@
                 <a:cs typeface="Microsoft YaHei Bold" panose="020B0503020204020204" charset="-122"/>
                 <a:sym typeface="+mn-ea"/>
               </a:rPr>
-              <a:t>运行机制</a:t>
+              <a:t>基本用法</a:t>
             </a:r>
           </a:p>
         </p:txBody>
@@ -10779,7 +10737,7 @@
         <p:spPr>
           <a:xfrm>
             <a:off x="2771351" y="2084803"/>
-            <a:ext cx="1047082" cy="1015663"/>
+            <a:ext cx="1036320" cy="1014730"/>
           </a:xfrm>
           <a:prstGeom prst="rect">
             <a:avLst/>
@@ -10804,7 +10762,7 @@
                 </a:solidFill>
                 <a:latin typeface="Century Gothic" panose="020B0502020202020204" pitchFamily="34" charset="0"/>
               </a:rPr>
-              <a:t>17</a:t>
+              <a:t>16</a:t>
             </a:r>
           </a:p>
         </p:txBody>
@@ -10814,7 +10772,7 @@
           <p:cNvPr id="2" name="文本框 1">
             <a:extLst>
               <a:ext uri="{FF2B5EF4-FFF2-40B4-BE49-F238E27FC236}">
-                <a16:creationId xmlns:a16="http://schemas.microsoft.com/office/drawing/2014/main" id="{7F8BE1E4-2C52-4EE4-AF97-46A16BFB0FBF}"/>
+                <a16:creationId xmlns:a16="http://schemas.microsoft.com/office/drawing/2014/main" id="{597D287E-0667-4183-8181-145B6D0B3EFC}"/>
               </a:ext>
             </a:extLst>
           </p:cNvPr>
@@ -10823,8 +10781,8 @@
         </p:nvSpPr>
         <p:spPr>
           <a:xfrm>
-            <a:off x="2279576" y="4149080"/>
-            <a:ext cx="9073008" cy="2308324"/>
+            <a:off x="3071664" y="4653136"/>
+            <a:ext cx="1107996" cy="646331"/>
           </a:xfrm>
           <a:prstGeom prst="rect">
             <a:avLst/>
@@ -10832,87 +10790,14 @@
           <a:noFill/>
         </p:spPr>
         <p:txBody>
-          <a:bodyPr wrap="square" rtlCol="0">
+          <a:bodyPr wrap="none" rtlCol="0">
             <a:spAutoFit/>
           </a:bodyPr>
           <a:lstStyle/>
           <a:p>
             <a:r>
               <a:rPr lang="zh-CN" altLang="en-US" dirty="0"/>
-              <a:t>  </a:t>
-            </a:r>
-            <a:r>
-              <a:rPr lang="en-US" altLang="zh-CN" dirty="0"/>
-              <a:t>-</a:t>
-            </a:r>
-            <a:r>
-              <a:rPr lang="zh-CN" altLang="en-US" dirty="0"/>
-              <a:t> 参看博客</a:t>
-            </a:r>
-            <a:r>
-              <a:rPr lang="en-US" altLang="zh-CN" dirty="0"/>
-              <a:t> </a:t>
-            </a:r>
-            <a:r>
-              <a:rPr lang="en-US" altLang="zh-CN" u="sng" dirty="0"/>
-              <a:t>https://boswellji.github.io/MyBlog/Microfrontend/qiankun.html#%E8%BF%90%E8%A1%8C%E6%9C%BA%E5%88%B6</a:t>
-            </a:r>
-            <a:endParaRPr lang="en-US" altLang="zh-CN" dirty="0"/>
-          </a:p>
-          <a:p>
-            <a:r>
-              <a:rPr lang="en-US" altLang="zh-CN" dirty="0"/>
-              <a:t>  - </a:t>
-            </a:r>
-            <a:r>
-              <a:rPr lang="zh-CN" altLang="en-US" dirty="0"/>
-              <a:t>沙盒：快照沙盒，遗留沙盒，代理沙盒</a:t>
-            </a:r>
-          </a:p>
-          <a:p>
-            <a:r>
-              <a:rPr lang="zh-CN" altLang="en-US" dirty="0"/>
-              <a:t>  </a:t>
-            </a:r>
-            <a:r>
-              <a:rPr lang="en-US" altLang="zh-CN" dirty="0"/>
-              <a:t>-</a:t>
-            </a:r>
-            <a:r>
-              <a:rPr lang="zh-CN" altLang="en-US" dirty="0"/>
-              <a:t> 样式隔离：</a:t>
-            </a:r>
-          </a:p>
-          <a:p>
-            <a:r>
-              <a:rPr lang="zh-CN" altLang="en-US" dirty="0"/>
-              <a:t>  </a:t>
-            </a:r>
-            <a:r>
-              <a:rPr lang="en-US" altLang="zh-CN" dirty="0"/>
-              <a:t>-</a:t>
-            </a:r>
-            <a:r>
-              <a:rPr lang="zh-CN" altLang="en-US" dirty="0"/>
-              <a:t> 通信：主子应用通信</a:t>
-            </a:r>
-          </a:p>
-          <a:p>
-            <a:r>
-              <a:rPr lang="zh-CN" altLang="en-US" dirty="0"/>
-              <a:t>  </a:t>
-            </a:r>
-            <a:r>
-              <a:rPr lang="en-US" altLang="zh-CN" dirty="0"/>
-              <a:t>-</a:t>
-            </a:r>
-            <a:r>
-              <a:rPr lang="zh-CN" altLang="en-US" dirty="0"/>
-              <a:t> </a:t>
-            </a:r>
-            <a:r>
-              <a:rPr lang="en-US" altLang="zh-CN" dirty="0"/>
-              <a:t>import-html-entry</a:t>
+              <a:t>参看代码</a:t>
             </a:r>
           </a:p>
           <a:p>
@@ -10921,6 +10806,11 @@
         </p:txBody>
       </p:sp>
     </p:spTree>
+    <p:extLst>
+      <p:ext uri="{BB962C8B-B14F-4D97-AF65-F5344CB8AC3E}">
+        <p14:creationId xmlns:p14="http://schemas.microsoft.com/office/powerpoint/2010/main" val="3905029836"/>
+      </p:ext>
+    </p:extLst>
   </p:cSld>
   <p:clrMapOvr>
     <a:masterClrMapping/>
@@ -10947,14 +10837,60 @@
       </p:grpSpPr>
       <p:sp>
         <p:nvSpPr>
-          <p:cNvPr id="4" name="文本框 3"/>
+          <p:cNvPr id="10" name="矩形 9"/>
+          <p:cNvSpPr/>
+          <p:nvPr/>
+        </p:nvSpPr>
+        <p:spPr>
+          <a:xfrm>
+            <a:off x="4214567" y="3170955"/>
+            <a:ext cx="7658100" cy="282172"/>
+          </a:xfrm>
+          <a:prstGeom prst="rect">
+            <a:avLst/>
+          </a:prstGeom>
+          <a:solidFill>
+            <a:srgbClr val="65BA67"/>
+          </a:solidFill>
+          <a:ln>
+            <a:noFill/>
+          </a:ln>
+        </p:spPr>
+        <p:style>
+          <a:lnRef idx="2">
+            <a:schemeClr val="accent1">
+              <a:shade val="50000"/>
+            </a:schemeClr>
+          </a:lnRef>
+          <a:fillRef idx="1">
+            <a:schemeClr val="accent1"/>
+          </a:fillRef>
+          <a:effectRef idx="0">
+            <a:schemeClr val="accent1"/>
+          </a:effectRef>
+          <a:fontRef idx="minor">
+            <a:schemeClr val="lt1"/>
+          </a:fontRef>
+        </p:style>
+        <p:txBody>
+          <a:bodyPr rtlCol="0" anchor="ctr"/>
+          <a:lstStyle/>
+          <a:p>
+            <a:pPr algn="ctr"/>
+            <a:endParaRPr lang="zh-CN" altLang="en-US"/>
+          </a:p>
+        </p:txBody>
+      </p:sp>
+      <p:sp>
+        <p:nvSpPr>
+          <p:cNvPr id="13" name="Textfeld 29"/>
           <p:cNvSpPr txBox="1"/>
           <p:nvPr/>
         </p:nvSpPr>
         <p:spPr>
           <a:xfrm>
-            <a:off x="429895" y="1125220"/>
-            <a:ext cx="11010900" cy="2584450"/>
+            <a:off x="5033417" y="2137831"/>
+            <a:ext cx="3913959" cy="583565"/>
           </a:xfrm>
           <a:prstGeom prst="rect">
             <a:avLst/>
@@ -10967,60 +10903,267 @@
           </a:bodyPr>
           <a:lstStyle/>
           <a:p>
-            <a:pPr algn="l"/>
-            <a:r>
-              <a:rPr lang="en-US" altLang="zh-CN"/>
-              <a:t>- [新一代 Web 建站技术栈的演进：SSR、SSG、ISR、DPR 都在做什么？](https://zhuanlan.zhihu.com/p/365113639)</a:t>
-            </a:r>
-          </a:p>
-          <a:p>
-            <a:pPr algn="l"/>
-            <a:r>
-              <a:rPr lang="en-US" altLang="zh-CN"/>
-              <a:t>- [Micro Frontends](https://micro-frontends.org/)</a:t>
-            </a:r>
-          </a:p>
-          <a:p>
-            <a:pPr algn="l"/>
-            <a:r>
-              <a:rPr lang="en-US" altLang="zh-CN"/>
-              <a:t>- [Why Not Iframe](https://www.yuque.com/kuitos/gky7yw/gesexv)</a:t>
-            </a:r>
-          </a:p>
-          <a:p>
-            <a:pPr algn="l"/>
-            <a:r>
-              <a:rPr lang="en-US" altLang="zh-CN"/>
-              <a:t>- [微前端的核心价值](https://www.yuque.com/kuitos/gky7yw/rhduwc)</a:t>
-            </a:r>
-          </a:p>
-          <a:p>
-            <a:pPr algn="l"/>
-            <a:r>
-              <a:rPr lang="en-US" altLang="zh-CN"/>
-              <a:t>- [基于 qiankun 的微前端应用实践](https://zhuanlan.zhihu.com/p/356225293)</a:t>
-            </a:r>
-          </a:p>
-          <a:p>
-            <a:pPr algn="l"/>
-            <a:r>
-              <a:rPr lang="en-US" altLang="zh-CN"/>
-              <a:t>- [可能是你见过最完善的微前端解决方案](https://zhuanlan.zhihu.com/p/78362028)</a:t>
-            </a:r>
-          </a:p>
-          <a:p>
-            <a:pPr algn="l"/>
-            <a:r>
-              <a:rPr lang="en-US" altLang="zh-CN"/>
-              <a:t>- [微前端框架 之 single-spa 从入门到精通](https://juejin.cn/post/6862661545592111111)</a:t>
-            </a:r>
-          </a:p>
-          <a:p>
-            <a:pPr algn="l"/>
-            <a:r>
-              <a:rPr lang="en-US" altLang="zh-CN"/>
-              <a:t>- [微前端框架 之 qiankun 从入门到源码分析](https://juejin.cn/post/6885211340999229454)</a:t>
-            </a:r>
+            <a:pPr defTabSz="228600"/>
+            <a:r>
+              <a:rPr lang="en-US" altLang="zh-CN" sz="3200" b="1" dirty="0">
+                <a:latin typeface="Microsoft YaHei Bold" panose="020B0503020204020204" charset="-122"/>
+                <a:ea typeface="Microsoft YaHei Bold" panose="020B0503020204020204" charset="-122"/>
+                <a:cs typeface="Microsoft YaHei Bold" panose="020B0503020204020204" charset="-122"/>
+                <a:sym typeface="+mn-ea"/>
+              </a:rPr>
+              <a:t>qiankun</a:t>
+            </a:r>
+            <a:r>
+              <a:rPr lang="zh-CN" altLang="en-US" sz="3200" b="1" dirty="0">
+                <a:latin typeface="Microsoft YaHei Bold" panose="020B0503020204020204" charset="-122"/>
+                <a:ea typeface="Microsoft YaHei Bold" panose="020B0503020204020204" charset="-122"/>
+                <a:cs typeface="Microsoft YaHei Bold" panose="020B0503020204020204" charset="-122"/>
+                <a:sym typeface="+mn-ea"/>
+              </a:rPr>
+              <a:t>运行机制</a:t>
+            </a:r>
+          </a:p>
+        </p:txBody>
+      </p:sp>
+      <p:sp>
+        <p:nvSpPr>
+          <p:cNvPr id="15" name="矩形 14"/>
+          <p:cNvSpPr/>
+          <p:nvPr/>
+        </p:nvSpPr>
+        <p:spPr>
+          <a:xfrm>
+            <a:off x="2068544" y="1356808"/>
+            <a:ext cx="1633804" cy="1628465"/>
+          </a:xfrm>
+          <a:prstGeom prst="rect">
+            <a:avLst/>
+          </a:prstGeom>
+          <a:solidFill>
+            <a:srgbClr val="5B318F"/>
+          </a:solidFill>
+          <a:ln>
+            <a:noFill/>
+          </a:ln>
+        </p:spPr>
+        <p:style>
+          <a:lnRef idx="2">
+            <a:schemeClr val="accent1">
+              <a:shade val="50000"/>
+            </a:schemeClr>
+          </a:lnRef>
+          <a:fillRef idx="1">
+            <a:schemeClr val="accent1"/>
+          </a:fillRef>
+          <a:effectRef idx="0">
+            <a:schemeClr val="accent1"/>
+          </a:effectRef>
+          <a:fontRef idx="minor">
+            <a:schemeClr val="lt1"/>
+          </a:fontRef>
+        </p:style>
+        <p:txBody>
+          <a:bodyPr rtlCol="0" anchor="ctr"/>
+          <a:lstStyle/>
+          <a:p>
+            <a:pPr algn="ctr"/>
+            <a:endParaRPr lang="zh-CN" altLang="en-US" dirty="0"/>
+          </a:p>
+        </p:txBody>
+      </p:sp>
+      <p:sp>
+        <p:nvSpPr>
+          <p:cNvPr id="9" name="矩形 8"/>
+          <p:cNvSpPr/>
+          <p:nvPr/>
+        </p:nvSpPr>
+        <p:spPr>
+          <a:xfrm>
+            <a:off x="2335700" y="1677861"/>
+            <a:ext cx="1767154" cy="1804354"/>
+          </a:xfrm>
+          <a:prstGeom prst="rect">
+            <a:avLst/>
+          </a:prstGeom>
+          <a:solidFill>
+            <a:srgbClr val="78BF72"/>
+          </a:solidFill>
+          <a:ln>
+            <a:noFill/>
+          </a:ln>
+        </p:spPr>
+        <p:style>
+          <a:lnRef idx="2">
+            <a:schemeClr val="accent1">
+              <a:shade val="50000"/>
+            </a:schemeClr>
+          </a:lnRef>
+          <a:fillRef idx="1">
+            <a:schemeClr val="accent1"/>
+          </a:fillRef>
+          <a:effectRef idx="0">
+            <a:schemeClr val="accent1"/>
+          </a:effectRef>
+          <a:fontRef idx="minor">
+            <a:schemeClr val="lt1"/>
+          </a:fontRef>
+        </p:style>
+        <p:txBody>
+          <a:bodyPr rtlCol="0" anchor="ctr"/>
+          <a:lstStyle/>
+          <a:p>
+            <a:pPr algn="ctr"/>
+            <a:endParaRPr lang="zh-CN" altLang="en-US"/>
+          </a:p>
+        </p:txBody>
+      </p:sp>
+      <p:sp>
+        <p:nvSpPr>
+          <p:cNvPr id="16" name="文本框 15"/>
+          <p:cNvSpPr txBox="1"/>
+          <p:nvPr/>
+        </p:nvSpPr>
+        <p:spPr>
+          <a:xfrm>
+            <a:off x="2771351" y="2084803"/>
+            <a:ext cx="1047082" cy="1015663"/>
+          </a:xfrm>
+          <a:prstGeom prst="rect">
+            <a:avLst/>
+          </a:prstGeom>
+          <a:noFill/>
+        </p:spPr>
+        <p:txBody>
+          <a:bodyPr wrap="none" rtlCol="0">
+            <a:spAutoFit/>
+            <a:scene3d>
+              <a:camera prst="orthographicFront"/>
+              <a:lightRig rig="threePt" dir="t"/>
+            </a:scene3d>
+            <a:sp3d contourW="12700"/>
+          </a:bodyPr>
+          <a:lstStyle/>
+          <a:p>
+            <a:r>
+              <a:rPr lang="en-US" altLang="zh-CN" sz="6000" b="1" dirty="0">
+                <a:solidFill>
+                  <a:schemeClr val="bg1"/>
+                </a:solidFill>
+                <a:latin typeface="Century Gothic" panose="020B0502020202020204" pitchFamily="34" charset="0"/>
+              </a:rPr>
+              <a:t>17</a:t>
+            </a:r>
+          </a:p>
+        </p:txBody>
+      </p:sp>
+      <p:sp>
+        <p:nvSpPr>
+          <p:cNvPr id="2" name="文本框 1">
+            <a:extLst>
+              <a:ext uri="{FF2B5EF4-FFF2-40B4-BE49-F238E27FC236}">
+                <a16:creationId xmlns:a16="http://schemas.microsoft.com/office/drawing/2014/main" id="{7F8BE1E4-2C52-4EE4-AF97-46A16BFB0FBF}"/>
+              </a:ext>
+            </a:extLst>
+          </p:cNvPr>
+          <p:cNvSpPr txBox="1"/>
+          <p:nvPr/>
+        </p:nvSpPr>
+        <p:spPr>
+          <a:xfrm>
+            <a:off x="2279576" y="4149080"/>
+            <a:ext cx="9073008" cy="2308324"/>
+          </a:xfrm>
+          <a:prstGeom prst="rect">
+            <a:avLst/>
+          </a:prstGeom>
+          <a:noFill/>
+        </p:spPr>
+        <p:txBody>
+          <a:bodyPr wrap="square" rtlCol="0">
+            <a:spAutoFit/>
+          </a:bodyPr>
+          <a:lstStyle/>
+          <a:p>
+            <a:r>
+              <a:rPr lang="zh-CN" altLang="en-US" dirty="0"/>
+              <a:t>  </a:t>
+            </a:r>
+            <a:r>
+              <a:rPr lang="en-US" altLang="zh-CN" dirty="0"/>
+              <a:t>-</a:t>
+            </a:r>
+            <a:r>
+              <a:rPr lang="zh-CN" altLang="en-US" dirty="0"/>
+              <a:t> 参看博客</a:t>
+            </a:r>
+            <a:r>
+              <a:rPr lang="en-US" altLang="zh-CN" dirty="0"/>
+              <a:t> </a:t>
+            </a:r>
+            <a:r>
+              <a:rPr lang="en-US" altLang="zh-CN" u="sng" dirty="0"/>
+              <a:t>https://boswellji.github.io/MyBlog/Microfrontend/qiankun.html#%E8%BF%90%E8%A1%8C%E6%9C%BA%E5%88%B6</a:t>
+            </a:r>
+            <a:endParaRPr lang="en-US" altLang="zh-CN" dirty="0"/>
+          </a:p>
+          <a:p>
+            <a:r>
+              <a:rPr lang="en-US" altLang="zh-CN" dirty="0"/>
+              <a:t>  - </a:t>
+            </a:r>
+            <a:r>
+              <a:rPr lang="zh-CN" altLang="en-US" dirty="0"/>
+              <a:t>沙盒：快照沙盒，遗留沙盒，代理沙盒</a:t>
+            </a:r>
+          </a:p>
+          <a:p>
+            <a:r>
+              <a:rPr lang="zh-CN" altLang="en-US" dirty="0"/>
+              <a:t>  </a:t>
+            </a:r>
+            <a:r>
+              <a:rPr lang="en-US" altLang="zh-CN" dirty="0"/>
+              <a:t>-</a:t>
+            </a:r>
+            <a:r>
+              <a:rPr lang="zh-CN" altLang="en-US" dirty="0"/>
+              <a:t> 样式隔离：</a:t>
+            </a:r>
+          </a:p>
+          <a:p>
+            <a:r>
+              <a:rPr lang="zh-CN" altLang="en-US" dirty="0"/>
+              <a:t>  </a:t>
+            </a:r>
+            <a:r>
+              <a:rPr lang="en-US" altLang="zh-CN" dirty="0"/>
+              <a:t>-</a:t>
+            </a:r>
+            <a:r>
+              <a:rPr lang="zh-CN" altLang="en-US" dirty="0"/>
+              <a:t> 通信：主子应用通信</a:t>
+            </a:r>
+          </a:p>
+          <a:p>
+            <a:r>
+              <a:rPr lang="zh-CN" altLang="en-US" dirty="0"/>
+              <a:t>  </a:t>
+            </a:r>
+            <a:r>
+              <a:rPr lang="en-US" altLang="zh-CN" dirty="0"/>
+              <a:t>-</a:t>
+            </a:r>
+            <a:r>
+              <a:rPr lang="zh-CN" altLang="en-US" dirty="0"/>
+              <a:t> </a:t>
+            </a:r>
+            <a:r>
+              <a:rPr lang="en-US" altLang="zh-CN" dirty="0"/>
+              <a:t>import-html-entry</a:t>
+            </a:r>
+          </a:p>
+          <a:p>
+            <a:endParaRPr lang="zh-CN" altLang="en-US" dirty="0"/>
           </a:p>
         </p:txBody>
       </p:sp>
@@ -11033,6 +11176,129 @@
 </file>
 
 <file path=ppt/slides/slide24.xml><?xml version="1.0" encoding="utf-8"?>
+<p:sld xmlns:a="http://schemas.openxmlformats.org/drawingml/2006/main" xmlns:r="http://schemas.openxmlformats.org/officeDocument/2006/relationships" xmlns:p="http://schemas.openxmlformats.org/presentationml/2006/main">
+  <p:cSld>
+    <p:spTree>
+      <p:nvGrpSpPr>
+        <p:cNvPr id="1" name=""/>
+        <p:cNvGrpSpPr/>
+        <p:nvPr/>
+      </p:nvGrpSpPr>
+      <p:grpSpPr>
+        <a:xfrm>
+          <a:off x="0" y="0"/>
+          <a:ext cx="0" cy="0"/>
+          <a:chOff x="0" y="0"/>
+          <a:chExt cx="0" cy="0"/>
+        </a:xfrm>
+      </p:grpSpPr>
+      <p:sp>
+        <p:nvSpPr>
+          <p:cNvPr id="4" name="文本框 3"/>
+          <p:cNvSpPr txBox="1"/>
+          <p:nvPr/>
+        </p:nvSpPr>
+        <p:spPr>
+          <a:xfrm>
+            <a:off x="429895" y="1125220"/>
+            <a:ext cx="11010900" cy="1477328"/>
+          </a:xfrm>
+          <a:prstGeom prst="rect">
+            <a:avLst/>
+          </a:prstGeom>
+          <a:noFill/>
+        </p:spPr>
+        <p:txBody>
+          <a:bodyPr wrap="square" rtlCol="0">
+            <a:spAutoFit/>
+          </a:bodyPr>
+          <a:lstStyle/>
+          <a:p>
+            <a:pPr algn="l"/>
+            <a:r>
+              <a:rPr lang="en-US" altLang="zh-CN" dirty="0"/>
+              <a:t>- [Micro Frontends](https://micro-frontends.org/)</a:t>
+            </a:r>
+          </a:p>
+          <a:p>
+            <a:pPr algn="l"/>
+            <a:r>
+              <a:rPr lang="en-US" altLang="zh-CN" dirty="0"/>
+              <a:t>- [Why Not Iframe](https://www.yuque.com/kuitos/gky7yw/gesexv)</a:t>
+            </a:r>
+          </a:p>
+          <a:p>
+            <a:pPr algn="l"/>
+            <a:r>
+              <a:rPr lang="en-US" altLang="zh-CN" dirty="0"/>
+              <a:t>- [</a:t>
+            </a:r>
+            <a:r>
+              <a:rPr lang="en-US" altLang="zh-CN" dirty="0" err="1"/>
+              <a:t>微前端的核心价值</a:t>
+            </a:r>
+            <a:r>
+              <a:rPr lang="en-US" altLang="zh-CN" dirty="0"/>
+              <a:t>](https://www.yuque.com/kuitos/gky7yw/rhduwc)</a:t>
+            </a:r>
+          </a:p>
+          <a:p>
+            <a:pPr algn="l"/>
+            <a:r>
+              <a:rPr lang="en-US" altLang="zh-CN" dirty="0"/>
+              <a:t>- [</a:t>
+            </a:r>
+            <a:r>
+              <a:rPr lang="en-US" altLang="zh-CN" dirty="0" err="1"/>
+              <a:t>基于</a:t>
+            </a:r>
+            <a:r>
+              <a:rPr lang="en-US" altLang="zh-CN" dirty="0"/>
+              <a:t> </a:t>
+            </a:r>
+            <a:r>
+              <a:rPr lang="en-US" altLang="zh-CN" dirty="0" err="1"/>
+              <a:t>qiankun</a:t>
+            </a:r>
+            <a:r>
+              <a:rPr lang="en-US" altLang="zh-CN" dirty="0"/>
+              <a:t> </a:t>
+            </a:r>
+            <a:r>
+              <a:rPr lang="en-US" altLang="zh-CN" dirty="0" err="1"/>
+              <a:t>的微前端应用实践</a:t>
+            </a:r>
+            <a:r>
+              <a:rPr lang="en-US" altLang="zh-CN" dirty="0"/>
+              <a:t>](https://zhuanlan.zhihu.com/p/356225293)</a:t>
+            </a:r>
+          </a:p>
+          <a:p>
+            <a:pPr algn="l"/>
+            <a:r>
+              <a:rPr lang="en-US" altLang="zh-CN" dirty="0"/>
+              <a:t>- [</a:t>
+            </a:r>
+            <a:r>
+              <a:rPr lang="en-US" altLang="zh-CN" dirty="0" err="1"/>
+              <a:t>可能是你见过最完善的微前端解决方案</a:t>
+            </a:r>
+            <a:r>
+              <a:rPr lang="en-US" altLang="zh-CN" dirty="0"/>
+              <a:t>](https://zhuanlan.zhihu.com/p/78362028)</a:t>
+            </a:r>
+          </a:p>
+        </p:txBody>
+      </p:sp>
+    </p:spTree>
+  </p:cSld>
+  <p:clrMapOvr>
+    <a:masterClrMapping/>
+  </p:clrMapOvr>
+</p:sld>
+</file>
+
+<file path=ppt/slides/slide25.xml><?xml version="1.0" encoding="utf-8"?>
 <p:sld xmlns:a="http://schemas.openxmlformats.org/drawingml/2006/main" xmlns:r="http://schemas.openxmlformats.org/officeDocument/2006/relationships" xmlns:p="http://schemas.openxmlformats.org/presentationml/2006/main">
   <p:cSld>
     <p:spTree>
@@ -11388,7 +11654,7 @@
         <p:spPr>
           <a:xfrm>
             <a:off x="3082925" y="4666615"/>
-            <a:ext cx="6997700" cy="1753235"/>
+            <a:ext cx="7072705" cy="1754326"/>
           </a:xfrm>
           <a:prstGeom prst="rect">
             <a:avLst/>
@@ -11405,23 +11671,23 @@
               <a:buAutoNum type="arabicPeriod"/>
             </a:pPr>
             <a:r>
-              <a:rPr lang="en-US" altLang="zh-CN"/>
+              <a:rPr lang="en-US" altLang="zh-CN" dirty="0"/>
               <a:t>SSR: </a:t>
             </a:r>
             <a:r>
-              <a:rPr lang="zh-CN" altLang="en-US">
+              <a:rPr lang="zh-CN" altLang="en-US" dirty="0">
                 <a:sym typeface="+mn-ea"/>
               </a:rPr>
               <a:t>Server Side Rendering，传统服务端渲染</a:t>
             </a:r>
-            <a:endParaRPr lang="zh-CN" altLang="en-US"/>
+            <a:endParaRPr lang="zh-CN" altLang="en-US" dirty="0"/>
           </a:p>
           <a:p>
             <a:pPr marL="342900" indent="-342900" algn="l">
               <a:buAutoNum type="arabicPeriod"/>
             </a:pPr>
             <a:r>
-              <a:rPr lang="zh-CN" altLang="en-US"/>
+              <a:rPr lang="zh-CN" altLang="en-US" dirty="0"/>
               <a:t>CSR：Client Side Rendering，客户端（通常是浏览器）渲染</a:t>
             </a:r>
           </a:p>
@@ -11430,7 +11696,7 @@
               <a:buAutoNum type="arabicPeriod"/>
             </a:pPr>
             <a:r>
-              <a:rPr lang="zh-CN" altLang="en-US"/>
+              <a:rPr lang="zh-CN" altLang="en-US" dirty="0"/>
               <a:t>SSR：Server Side Rendering，现代服务端渲染</a:t>
             </a:r>
           </a:p>
@@ -11439,7 +11705,7 @@
               <a:buAutoNum type="arabicPeriod"/>
             </a:pPr>
             <a:r>
-              <a:rPr lang="zh-CN" altLang="en-US"/>
+              <a:rPr lang="zh-CN" altLang="en-US" dirty="0"/>
               <a:t>SSG：Static Site Generation，静态网站生成</a:t>
             </a:r>
           </a:p>
@@ -11448,7 +11714,7 @@
               <a:buAutoNum type="arabicPeriod"/>
             </a:pPr>
             <a:r>
-              <a:rPr lang="zh-CN" altLang="en-US"/>
+              <a:rPr lang="zh-CN" altLang="en-US" dirty="0"/>
               <a:t>ISR：Incremental Site Rendering，增量式的网站渲染</a:t>
             </a:r>
           </a:p>
@@ -11457,8 +11723,65 @@
               <a:buAutoNum type="arabicPeriod"/>
             </a:pPr>
             <a:r>
+              <a:rPr lang="zh-CN" altLang="en-US" dirty="0"/>
+              <a:t>DPR：Distributed Persistent Rendering，分布式的持续渲染</a:t>
+            </a:r>
+          </a:p>
+        </p:txBody>
+      </p:sp>
+      <p:sp>
+        <p:nvSpPr>
+          <p:cNvPr id="3" name="椭圆 2">
+            <a:extLst>
+              <a:ext uri="{FF2B5EF4-FFF2-40B4-BE49-F238E27FC236}">
+                <a16:creationId xmlns:a16="http://schemas.microsoft.com/office/drawing/2014/main" id="{53AFFCB4-98C3-45BA-AFC2-28B77B92C926}"/>
+              </a:ext>
+            </a:extLst>
+          </p:cNvPr>
+          <p:cNvSpPr/>
+          <p:nvPr/>
+        </p:nvSpPr>
+        <p:spPr>
+          <a:xfrm>
+            <a:off x="9420649" y="1556792"/>
+            <a:ext cx="2291975" cy="1296144"/>
+          </a:xfrm>
+          <a:prstGeom prst="ellipse">
+            <a:avLst/>
+          </a:prstGeom>
+        </p:spPr>
+        <p:style>
+          <a:lnRef idx="2">
+            <a:schemeClr val="accent1">
+              <a:shade val="50000"/>
+            </a:schemeClr>
+          </a:lnRef>
+          <a:fillRef idx="1">
+            <a:schemeClr val="accent1"/>
+          </a:fillRef>
+          <a:effectRef idx="0">
+            <a:schemeClr val="accent1"/>
+          </a:effectRef>
+          <a:fontRef idx="minor">
+            <a:schemeClr val="lt1"/>
+          </a:fontRef>
+        </p:style>
+        <p:txBody>
+          <a:bodyPr rtlCol="0" anchor="ctr"/>
+          <a:lstStyle/>
+          <a:p>
+            <a:pPr algn="ctr"/>
+            <a:r>
+              <a:rPr lang="zh-CN" altLang="en-US" dirty="0"/>
+              <a:t>先来</a:t>
+            </a:r>
+            <a:r>
               <a:rPr lang="zh-CN" altLang="en-US"/>
-              <a:t>DPR：Distributed Persistent Rendering，分布式的持续渲染</a:t>
+              <a:t>定义一下这里的渲染</a:t>
+            </a:r>
+            <a:r>
+              <a:rPr lang="zh-CN" altLang="en-US" dirty="0"/>
+              <a:t>？</a:t>
             </a:r>
           </a:p>
         </p:txBody>
@@ -12113,7 +12436,7 @@
         <p:spPr>
           <a:xfrm>
             <a:off x="2392680" y="4871085"/>
-            <a:ext cx="8297545" cy="1614805"/>
+            <a:ext cx="8539454" cy="1704056"/>
           </a:xfrm>
           <a:prstGeom prst="rect">
             <a:avLst/>
@@ -12127,31 +12450,55 @@
           <a:lstStyle/>
           <a:p>
             <a:r>
-              <a:rPr lang="zh-CN" altLang="en-US"/>
+              <a:rPr lang="en-US" altLang="zh-CN" dirty="0"/>
+              <a:t>1.</a:t>
+            </a:r>
+            <a:r>
+              <a:rPr lang="zh-CN" altLang="en-US" dirty="0"/>
+              <a:t>前端模板引擎渲染。 代表技术：</a:t>
+            </a:r>
+            <a:r>
+              <a:rPr lang="en-US" altLang="zh-CN" dirty="0"/>
+              <a:t>doT.js</a:t>
+            </a:r>
+          </a:p>
+          <a:p>
+            <a:r>
+              <a:rPr lang="en-US" altLang="zh-CN" dirty="0"/>
+              <a:t> </a:t>
+            </a:r>
+          </a:p>
+          <a:p>
+            <a:r>
+              <a:rPr lang="en-US" altLang="zh-CN" dirty="0"/>
+              <a:t>2.</a:t>
+            </a:r>
+            <a:r>
+              <a:rPr lang="zh-CN" altLang="en-US" dirty="0"/>
               <a:t>一般被称为</a:t>
             </a:r>
             <a:r>
-              <a:rPr lang="en-US" altLang="zh-CN"/>
+              <a:rPr lang="en-US" altLang="zh-CN" dirty="0"/>
               <a:t>SPA(Single Page Application)</a:t>
             </a:r>
             <a:r>
-              <a:rPr lang="zh-CN" altLang="en-US"/>
+              <a:rPr lang="zh-CN" altLang="en-US" dirty="0"/>
               <a:t>项目</a:t>
             </a:r>
             <a:r>
-              <a:rPr lang="en-US" altLang="zh-CN"/>
+              <a:rPr lang="en-US" altLang="zh-CN" dirty="0"/>
               <a:t>,</a:t>
             </a:r>
             <a:r>
-              <a:rPr lang="zh-CN" altLang="en-US"/>
+              <a:rPr lang="zh-CN" altLang="en-US" dirty="0"/>
               <a:t>只有一个</a:t>
             </a:r>
             <a:r>
-              <a:rPr lang="en-US" altLang="zh-CN"/>
+              <a:rPr lang="en-US" altLang="zh-CN" dirty="0"/>
               <a:t>html</a:t>
             </a:r>
             <a:r>
-              <a:rPr lang="zh-CN" altLang="en-US"/>
+              <a:rPr lang="zh-CN" altLang="en-US" dirty="0"/>
               <a:t>入口页面，其他</a:t>
             </a:r>
           </a:p>
@@ -12162,15 +12509,15 @@
               </a:lnSpc>
             </a:pPr>
             <a:r>
-              <a:rPr lang="zh-CN" altLang="en-US"/>
+              <a:rPr lang="zh-CN" altLang="en-US" dirty="0"/>
               <a:t>页面基于现代前端框架的路由和组件化技术通过调取后端</a:t>
             </a:r>
             <a:r>
-              <a:rPr lang="en-US" altLang="zh-CN"/>
+              <a:rPr lang="en-US" altLang="zh-CN" dirty="0" err="1"/>
               <a:t>api</a:t>
             </a:r>
             <a:r>
-              <a:rPr lang="zh-CN" altLang="en-US"/>
+              <a:rPr lang="zh-CN" altLang="en-US" dirty="0"/>
               <a:t>的方式来动态生成。</a:t>
             </a:r>
           </a:p>
@@ -12180,20 +12527,12 @@
                 <a:spcPct val="150000"/>
               </a:lnSpc>
             </a:pPr>
-            <a:endParaRPr lang="zh-CN" altLang="en-US"/>
-          </a:p>
-          <a:p>
-            <a:pPr fontAlgn="auto">
-              <a:lnSpc>
-                <a:spcPct val="150000"/>
-              </a:lnSpc>
-            </a:pPr>
-            <a:r>
-              <a:rPr lang="zh-CN" altLang="en-US"/>
+            <a:r>
+              <a:rPr lang="zh-CN" altLang="en-US" dirty="0"/>
               <a:t>代表技术：</a:t>
             </a:r>
             <a:r>
-              <a:rPr lang="en-US" altLang="zh-CN"/>
+              <a:rPr lang="en-US" altLang="zh-CN" dirty="0"/>
               <a:t>Vue.js</a:t>
             </a:r>
           </a:p>
@@ -12599,7 +12938,7 @@
         </p:nvSpPr>
         <p:spPr>
           <a:xfrm>
-            <a:off x="4533900" y="3419216"/>
+            <a:off x="4533900" y="2985398"/>
             <a:ext cx="7658100" cy="282172"/>
           </a:xfrm>
           <a:prstGeom prst="rect">
@@ -12645,7 +12984,7 @@
         </p:nvSpPr>
         <p:spPr>
           <a:xfrm>
-            <a:off x="4512310" y="1803400"/>
+            <a:off x="4512310" y="1369582"/>
             <a:ext cx="5394325" cy="953135"/>
           </a:xfrm>
           <a:prstGeom prst="rect">
@@ -12691,7 +13030,7 @@
         </p:nvSpPr>
         <p:spPr>
           <a:xfrm>
-            <a:off x="2068544" y="1558562"/>
+            <a:off x="2068544" y="1124744"/>
             <a:ext cx="1633804" cy="1628465"/>
           </a:xfrm>
           <a:prstGeom prst="rect">
@@ -12737,7 +13076,7 @@
         </p:nvSpPr>
         <p:spPr>
           <a:xfrm>
-            <a:off x="2392957" y="1868254"/>
+            <a:off x="2392957" y="1434436"/>
             <a:ext cx="1767154" cy="1761379"/>
           </a:xfrm>
           <a:prstGeom prst="rect">
@@ -12783,7 +13122,7 @@
         </p:nvSpPr>
         <p:spPr>
           <a:xfrm>
-            <a:off x="2784051" y="2241746"/>
+            <a:off x="2784051" y="1807928"/>
             <a:ext cx="1036320" cy="1014730"/>
           </a:xfrm>
           <a:prstGeom prst="rect">
@@ -12828,7 +13167,7 @@
         </p:nvSpPr>
         <p:spPr>
           <a:xfrm>
-            <a:off x="3324860" y="4000500"/>
+            <a:off x="3324860" y="3566682"/>
             <a:ext cx="309880" cy="368300"/>
           </a:xfrm>
           <a:prstGeom prst="rect">
@@ -12854,8 +13193,8 @@
         </p:nvSpPr>
         <p:spPr>
           <a:xfrm>
-            <a:off x="2392680" y="3863340"/>
-            <a:ext cx="7854315" cy="2861310"/>
+            <a:off x="2392680" y="3429522"/>
+            <a:ext cx="7854315" cy="3139321"/>
           </a:xfrm>
           <a:prstGeom prst="rect">
             <a:avLst/>
@@ -12870,64 +13209,71 @@
           <a:p>
             <a:pPr algn="l"/>
             <a:r>
-              <a:rPr lang="zh-CN" altLang="en-US"/>
+              <a:rPr lang="zh-CN" altLang="en-US" dirty="0"/>
               <a:t>SSR 引入了另一个问题，既然要做服务端渲染，就必然需要一个实时在线的后台服务（通常是基于 Node.js 的服务）用来承载页面请求的问题。</a:t>
             </a:r>
             <a:br>
-              <a:rPr lang="zh-CN" altLang="en-US"/>
+              <a:rPr lang="zh-CN" altLang="en-US" dirty="0"/>
             </a:br>
-            <a:endParaRPr lang="zh-CN" altLang="en-US"/>
+            <a:endParaRPr lang="zh-CN" altLang="en-US" dirty="0"/>
           </a:p>
           <a:p>
             <a:pPr algn="l"/>
             <a:r>
-              <a:rPr lang="zh-CN" altLang="en-US"/>
+              <a:rPr lang="zh-CN" altLang="en-US" dirty="0"/>
               <a:t>对 SSR 进行审视，服务端渲染出的页面，逻辑上讲可以分成下面两大块：</a:t>
             </a:r>
           </a:p>
           <a:p>
             <a:pPr algn="l"/>
             <a:r>
-              <a:rPr lang="en-US" altLang="zh-CN"/>
+              <a:rPr lang="en-US" altLang="zh-CN" dirty="0"/>
               <a:t>1.</a:t>
             </a:r>
             <a:r>
-              <a:rPr lang="zh-CN" altLang="en-US"/>
+              <a:rPr lang="zh-CN" altLang="en-US" dirty="0"/>
               <a:t>变化不频繁。（静态）</a:t>
             </a:r>
             <a:r>
-              <a:rPr lang="en-US" altLang="zh-CN"/>
+              <a:rPr lang="en-US" altLang="zh-CN" dirty="0"/>
               <a:t> 2.变化比较频繁</a:t>
             </a:r>
             <a:r>
-              <a:rPr lang="zh-CN" altLang="en-US"/>
+              <a:rPr lang="zh-CN" altLang="en-US" dirty="0"/>
               <a:t>。（动态）</a:t>
             </a:r>
           </a:p>
           <a:p>
             <a:pPr algn="l"/>
-            <a:endParaRPr lang="en-US" altLang="zh-CN"/>
+            <a:endParaRPr lang="en-US" altLang="zh-CN" dirty="0"/>
           </a:p>
           <a:p>
             <a:pPr algn="l"/>
             <a:r>
-              <a:rPr lang="zh-CN" altLang="en-US"/>
+              <a:rPr lang="zh-CN" altLang="en-US" dirty="0"/>
               <a:t>所以，通过 SSR 把动态化的 Web 应用渲染为多个静态页面，并且对高度动态的内容也保留了 CSR 的能力。</a:t>
             </a:r>
           </a:p>
           <a:p>
             <a:pPr algn="l"/>
-            <a:endParaRPr lang="zh-CN" altLang="en-US"/>
-          </a:p>
-          <a:p>
-            <a:pPr algn="l"/>
-            <a:r>
-              <a:rPr lang="zh-CN" altLang="en-US"/>
+            <a:endParaRPr lang="zh-CN" altLang="en-US" dirty="0"/>
+          </a:p>
+          <a:p>
+            <a:r>
+              <a:rPr lang="zh-CN" altLang="en-US" dirty="0"/>
               <a:t>代表技术：</a:t>
             </a:r>
             <a:r>
-              <a:rPr lang="en-US" altLang="zh-CN"/>
-              <a:t> nuxtjs</a:t>
+              <a:rPr lang="en-US" altLang="zh-CN" dirty="0"/>
+              <a:t> </a:t>
+            </a:r>
+            <a:r>
+              <a:rPr lang="en-US" altLang="zh-CN" dirty="0" err="1"/>
+              <a:t>nuxtjs</a:t>
+            </a:r>
+            <a:r>
+              <a:rPr lang="en-US" altLang="zh-CN" dirty="0"/>
+              <a:t>(https://nuxtjs.org/docs/concepts/static-site-generation)</a:t>
             </a:r>
           </a:p>
         </p:txBody>
@@ -13246,44 +13592,43 @@
           <a:p>
             <a:pPr algn="l"/>
             <a:r>
-              <a:rPr lang="zh-CN" altLang="en-US"/>
+              <a:rPr lang="zh-CN" altLang="en-US" dirty="0"/>
               <a:t>对于小型文档站而言，数据有变化时，跑一次全页面渲染的消耗是可以接受的。对于大型网站，一旦有数据改动，进行一次全部页面的渲染，需要的时间可能是按小时甚至按天计的。那么我们可以做一个切分：</a:t>
             </a:r>
           </a:p>
           <a:p>
             <a:pPr algn="l"/>
-            <a:endParaRPr lang="zh-CN" altLang="en-US"/>
+            <a:endParaRPr lang="zh-CN" altLang="en-US" dirty="0"/>
           </a:p>
           <a:p>
             <a:pPr algn="l"/>
             <a:r>
-              <a:rPr lang="zh-CN" altLang="en-US"/>
+              <a:rPr lang="zh-CN" altLang="en-US" dirty="0"/>
               <a:t>1、关键性的页面（如网站首页、热点数据等）预渲染为静态页面，缓存至 CDN，保证最佳的访问性能；</a:t>
             </a:r>
           </a:p>
           <a:p>
             <a:pPr algn="l"/>
             <a:r>
-              <a:rPr lang="zh-CN" altLang="en-US"/>
+              <a:rPr lang="zh-CN" altLang="en-US" dirty="0"/>
               <a:t>2、非关键性的页面（如流量很少的老旧内容）先响应兜底内容，然后浏览器渲染（CSR）为实际数据；同时对页面进行异步预渲染，之后缓存至 CDN，提升后续用户访问的性能。</a:t>
             </a:r>
           </a:p>
           <a:p>
-            <a:pPr algn="l"/>
             <a:br>
-              <a:rPr lang="zh-CN" altLang="en-US"/>
+              <a:rPr lang="zh-CN" altLang="en-US" dirty="0"/>
             </a:br>
             <a:r>
-              <a:rPr lang="zh-CN" altLang="en-US"/>
+              <a:rPr lang="zh-CN" altLang="en-US" dirty="0"/>
               <a:t>代表技术：</a:t>
             </a:r>
             <a:r>
-              <a:rPr lang="en-US" altLang="zh-CN"/>
-              <a:t> nuxtjs</a:t>
-            </a:r>
-            <a:r>
-              <a:rPr lang="zh-CN" altLang="en-US"/>
-              <a:t>（参考：https://nextjs.org/blog/next-9-5#stable-incremental-static-regeneration）</a:t>
+              <a:rPr lang="en-US" altLang="zh-CN" dirty="0"/>
+              <a:t> </a:t>
+            </a:r>
+            <a:r>
+              <a:rPr lang="zh-CN" altLang="en-US" dirty="0"/>
+              <a:t>nextjs（参考：https://nextjs.org/blog/next-9-5#stable-incremental-static-regeneration）</a:t>
             </a:r>
           </a:p>
         </p:txBody>
@@ -13589,7 +13934,7 @@
         <p:spPr>
           <a:xfrm>
             <a:off x="2639695" y="3501390"/>
-            <a:ext cx="8634730" cy="2861310"/>
+            <a:ext cx="8634730" cy="2862322"/>
           </a:xfrm>
           <a:prstGeom prst="rect">
             <a:avLst/>
@@ -13604,61 +13949,45 @@
           <a:p>
             <a:pPr algn="l"/>
             <a:r>
-              <a:rPr lang="zh-CN" altLang="en-US"/>
+              <a:rPr lang="zh-CN" altLang="en-US" dirty="0"/>
               <a:t>DPR 本质上讲，是对 ISR 的模型做了几处改动，并且搭配上 CDN 的能力：</a:t>
             </a:r>
           </a:p>
           <a:p>
             <a:pPr algn="l"/>
-            <a:endParaRPr lang="zh-CN" altLang="en-US"/>
-          </a:p>
-          <a:p>
-            <a:pPr algn="l"/>
-            <a:r>
-              <a:rPr lang="en-US" altLang="zh-CN"/>
-              <a:t>1.</a:t>
-            </a:r>
-            <a:r>
-              <a:rPr lang="zh-CN" altLang="en-US"/>
-              <a:t>去除了 fallback 行为，而是直接用 On-demand Builder（按需构建器）来响应未经过预渲染的页面，然后将结果缓存至 CDN。</a:t>
-            </a:r>
-          </a:p>
-          <a:p>
-            <a:pPr algn="l"/>
-            <a:r>
-              <a:rPr lang="en-US" altLang="zh-CN">
-                <a:sym typeface="+mn-ea"/>
-              </a:rPr>
-              <a:t>2.</a:t>
-            </a:r>
-            <a:r>
-              <a:rPr lang="zh-CN" altLang="en-US"/>
-              <a:t>数据页面过期时，不再响应过期的缓存页面，而是 CDN 回源到 Builder 上，渲染出最新的数据。</a:t>
-            </a:r>
-          </a:p>
-          <a:p>
-            <a:pPr algn="l"/>
-            <a:r>
-              <a:rPr lang="en-US" altLang="zh-CN"/>
-              <a:t>3.</a:t>
-            </a:r>
-            <a:r>
-              <a:rPr lang="zh-CN" altLang="en-US"/>
-              <a:t>每次发布新版本时，自动清除 CDN 的缓存数据。</a:t>
+            <a:endParaRPr lang="zh-CN" altLang="en-US" dirty="0"/>
+          </a:p>
+          <a:p>
+            <a:r>
+              <a:rPr lang="zh-CN" altLang="en-US" dirty="0"/>
+              <a:t>一种共享呈现页面视图并将其作为最新部署的一部分持久化的工作的方法。一些页面作为构建的一部分呈现，其他页面在通过其 </a:t>
+            </a:r>
+            <a:r>
+              <a:rPr lang="en-US" altLang="zh-CN" dirty="0"/>
+              <a:t>URL </a:t>
+            </a:r>
+            <a:r>
+              <a:rPr lang="zh-CN" altLang="en-US" dirty="0"/>
+              <a:t>首次请求时按需呈现。通过这种方式，即使是非常大的站点，构建时间也可以保持可控，因为指定页面可以延迟渲染，直到第一次请求。</a:t>
             </a:r>
             <a:br>
-              <a:rPr lang="zh-CN" altLang="en-US"/>
+              <a:rPr lang="zh-CN" altLang="en-US" dirty="0"/>
             </a:br>
             <a:br>
-              <a:rPr lang="zh-CN" altLang="en-US"/>
+              <a:rPr lang="zh-CN" altLang="en-US" dirty="0"/>
             </a:br>
             <a:br>
-              <a:rPr lang="zh-CN" altLang="en-US"/>
+              <a:rPr lang="zh-CN" altLang="en-US" dirty="0"/>
             </a:br>
             <a:r>
-              <a:rPr lang="zh-CN" altLang="en-US"/>
+              <a:rPr lang="zh-CN" altLang="en-US" dirty="0"/>
               <a:t>参考：https://github.com/jamstack/jamstack.org/discussions/549</a:t>
             </a:r>
+            <a:r>
+              <a:rPr lang="en-US" altLang="zh-CN" dirty="0"/>
+              <a:t>, https://jamstack.org/glossary/dpr/</a:t>
+            </a:r>
+            <a:endParaRPr lang="zh-CN" altLang="en-US" dirty="0"/>
           </a:p>
         </p:txBody>
       </p:sp>
